--- a/Azul Connect.pptx
+++ b/Azul Connect.pptx
@@ -5,10 +5,10 @@
     <p:sldMasterId id="2147483666" r:id="rId4"/>
   </p:sldMasterIdLst>
   <p:notesMasterIdLst>
-    <p:notesMasterId r:id="rId14"/>
+    <p:notesMasterId r:id="rId12"/>
   </p:notesMasterIdLst>
   <p:handoutMasterIdLst>
-    <p:handoutMasterId r:id="rId15"/>
+    <p:handoutMasterId r:id="rId13"/>
   </p:handoutMasterIdLst>
   <p:sldIdLst>
     <p:sldId id="314" r:id="rId5"/>
@@ -18,8 +18,6 @@
     <p:sldId id="327" r:id="rId9"/>
     <p:sldId id="326" r:id="rId10"/>
     <p:sldId id="309" r:id="rId11"/>
-    <p:sldId id="321" r:id="rId12"/>
-    <p:sldId id="320" r:id="rId13"/>
   </p:sldIdLst>
   <p:sldSz cx="12192000" cy="6858000"/>
   <p:notesSz cx="6858000" cy="9144000"/>
@@ -1269,174 +1267,6 @@
     <p:extLst>
       <p:ext uri="{BB962C8B-B14F-4D97-AF65-F5344CB8AC3E}">
         <p14:creationId xmlns:p14="http://schemas.microsoft.com/office/powerpoint/2010/main" val="2429966596"/>
-      </p:ext>
-    </p:extLst>
-  </p:cSld>
-  <p:clrMapOvr>
-    <a:masterClrMapping/>
-  </p:clrMapOvr>
-</p:notes>
-</file>
-
-<file path=ppt/notesSlides/notesSlide8.xml><?xml version="1.0" encoding="utf-8"?>
-<p:notes xmlns:a="http://schemas.openxmlformats.org/drawingml/2006/main" xmlns:r="http://schemas.openxmlformats.org/officeDocument/2006/relationships" xmlns:p="http://schemas.openxmlformats.org/presentationml/2006/main">
-  <p:cSld>
-    <p:spTree>
-      <p:nvGrpSpPr>
-        <p:cNvPr id="1" name=""/>
-        <p:cNvGrpSpPr/>
-        <p:nvPr/>
-      </p:nvGrpSpPr>
-      <p:grpSpPr>
-        <a:xfrm>
-          <a:off x="0" y="0"/>
-          <a:ext cx="0" cy="0"/>
-          <a:chOff x="0" y="0"/>
-          <a:chExt cx="0" cy="0"/>
-        </a:xfrm>
-      </p:grpSpPr>
-      <p:sp>
-        <p:nvSpPr>
-          <p:cNvPr id="2" name="Slide Image Placeholder 1"/>
-          <p:cNvSpPr>
-            <a:spLocks noGrp="1" noRot="1" noChangeAspect="1"/>
-          </p:cNvSpPr>
-          <p:nvPr>
-            <p:ph type="sldImg"/>
-          </p:nvPr>
-        </p:nvSpPr>
-        <p:spPr/>
-      </p:sp>
-      <p:sp>
-        <p:nvSpPr>
-          <p:cNvPr id="3" name="Notes Placeholder 2"/>
-          <p:cNvSpPr>
-            <a:spLocks noGrp="1"/>
-          </p:cNvSpPr>
-          <p:nvPr>
-            <p:ph type="body" idx="1"/>
-          </p:nvPr>
-        </p:nvSpPr>
-        <p:spPr/>
-        <p:txBody>
-          <a:bodyPr/>
-          <a:lstStyle/>
-          <a:p>
-            <a:endParaRPr lang="en-US" dirty="0"/>
-          </a:p>
-        </p:txBody>
-      </p:sp>
-      <p:sp>
-        <p:nvSpPr>
-          <p:cNvPr id="4" name="Slide Number Placeholder 3"/>
-          <p:cNvSpPr>
-            <a:spLocks noGrp="1"/>
-          </p:cNvSpPr>
-          <p:nvPr>
-            <p:ph type="sldNum" sz="quarter" idx="5"/>
-          </p:nvPr>
-        </p:nvSpPr>
-        <p:spPr/>
-        <p:txBody>
-          <a:bodyPr/>
-          <a:lstStyle/>
-          <a:p>
-            <a:fld id="{D4B9A9E5-4F7F-4A7D-9DE1-899232329269}" type="slidenum">
-              <a:rPr lang="en-US" smtClean="0"/>
-              <a:t>8</a:t>
-            </a:fld>
-            <a:endParaRPr lang="en-US" dirty="0"/>
-          </a:p>
-        </p:txBody>
-      </p:sp>
-    </p:spTree>
-    <p:extLst>
-      <p:ext uri="{BB962C8B-B14F-4D97-AF65-F5344CB8AC3E}">
-        <p14:creationId xmlns:p14="http://schemas.microsoft.com/office/powerpoint/2010/main" val="3984229589"/>
-      </p:ext>
-    </p:extLst>
-  </p:cSld>
-  <p:clrMapOvr>
-    <a:masterClrMapping/>
-  </p:clrMapOvr>
-</p:notes>
-</file>
-
-<file path=ppt/notesSlides/notesSlide9.xml><?xml version="1.0" encoding="utf-8"?>
-<p:notes xmlns:a="http://schemas.openxmlformats.org/drawingml/2006/main" xmlns:r="http://schemas.openxmlformats.org/officeDocument/2006/relationships" xmlns:p="http://schemas.openxmlformats.org/presentationml/2006/main">
-  <p:cSld>
-    <p:spTree>
-      <p:nvGrpSpPr>
-        <p:cNvPr id="1" name=""/>
-        <p:cNvGrpSpPr/>
-        <p:nvPr/>
-      </p:nvGrpSpPr>
-      <p:grpSpPr>
-        <a:xfrm>
-          <a:off x="0" y="0"/>
-          <a:ext cx="0" cy="0"/>
-          <a:chOff x="0" y="0"/>
-          <a:chExt cx="0" cy="0"/>
-        </a:xfrm>
-      </p:grpSpPr>
-      <p:sp>
-        <p:nvSpPr>
-          <p:cNvPr id="2" name="Slide Image Placeholder 1"/>
-          <p:cNvSpPr>
-            <a:spLocks noGrp="1" noRot="1" noChangeAspect="1"/>
-          </p:cNvSpPr>
-          <p:nvPr>
-            <p:ph type="sldImg"/>
-          </p:nvPr>
-        </p:nvSpPr>
-        <p:spPr/>
-      </p:sp>
-      <p:sp>
-        <p:nvSpPr>
-          <p:cNvPr id="3" name="Notes Placeholder 2"/>
-          <p:cNvSpPr>
-            <a:spLocks noGrp="1"/>
-          </p:cNvSpPr>
-          <p:nvPr>
-            <p:ph type="body" idx="1"/>
-          </p:nvPr>
-        </p:nvSpPr>
-        <p:spPr/>
-        <p:txBody>
-          <a:bodyPr/>
-          <a:lstStyle/>
-          <a:p>
-            <a:endParaRPr lang="en-US" dirty="0"/>
-          </a:p>
-        </p:txBody>
-      </p:sp>
-      <p:sp>
-        <p:nvSpPr>
-          <p:cNvPr id="4" name="Slide Number Placeholder 3"/>
-          <p:cNvSpPr>
-            <a:spLocks noGrp="1"/>
-          </p:cNvSpPr>
-          <p:nvPr>
-            <p:ph type="sldNum" sz="quarter" idx="5"/>
-          </p:nvPr>
-        </p:nvSpPr>
-        <p:spPr/>
-        <p:txBody>
-          <a:bodyPr/>
-          <a:lstStyle/>
-          <a:p>
-            <a:fld id="{D4B9A9E5-4F7F-4A7D-9DE1-899232329269}" type="slidenum">
-              <a:rPr lang="en-US" smtClean="0"/>
-              <a:t>9</a:t>
-            </a:fld>
-            <a:endParaRPr lang="en-US" dirty="0"/>
-          </a:p>
-        </p:txBody>
-      </p:sp>
-    </p:spTree>
-    <p:extLst>
-      <p:ext uri="{BB962C8B-B14F-4D97-AF65-F5344CB8AC3E}">
-        <p14:creationId xmlns:p14="http://schemas.microsoft.com/office/powerpoint/2010/main" val="3555126551"/>
       </p:ext>
     </p:extLst>
   </p:cSld>
@@ -7341,7 +7171,7 @@
           <a:p>
             <a:r>
               <a:rPr lang="en-US" dirty="0"/>
-              <a:t>Thank you</a:t>
+              <a:t>Moving On</a:t>
             </a:r>
           </a:p>
         </p:txBody>
@@ -7373,27 +7203,12 @@
           <a:lstStyle/>
           <a:p>
             <a:r>
-              <a:rPr lang="en-US" dirty="0"/>
-              <a:t>Brita Tamm</a:t>
-            </a:r>
-          </a:p>
-          <a:p>
-            <a:r>
-              <a:rPr lang="en-US" dirty="0"/>
-              <a:t>502-555-0152</a:t>
-            </a:r>
-          </a:p>
-          <a:p>
-            <a:r>
-              <a:rPr lang="en-US" dirty="0"/>
-              <a:t>brita@firstupconsultants.com</a:t>
-            </a:r>
-          </a:p>
-          <a:p>
-            <a:r>
-              <a:rPr lang="en-US" dirty="0"/>
-              <a:t>www.firstupconsultants.com</a:t>
-            </a:r>
+              <a:rPr lang="en-US" dirty="0">
+                <a:hlinkClick r:id="rId5"/>
+              </a:rPr>
+              <a:t>Figma: Stylized Prototype</a:t>
+            </a:r>
+            <a:endParaRPr lang="en-US" dirty="0"/>
           </a:p>
         </p:txBody>
       </p:sp>
@@ -7401,394 +7216,6 @@
     <p:extLst>
       <p:ext uri="{BB962C8B-B14F-4D97-AF65-F5344CB8AC3E}">
         <p14:creationId xmlns:p14="http://schemas.microsoft.com/office/powerpoint/2010/main" val="769932640"/>
-      </p:ext>
-    </p:extLst>
-  </p:cSld>
-  <p:clrMapOvr>
-    <a:masterClrMapping/>
-  </p:clrMapOvr>
-</p:sld>
-</file>
-
-<file path=ppt/slides/slide8.xml><?xml version="1.0" encoding="utf-8"?>
-<p:sld xmlns:a="http://schemas.openxmlformats.org/drawingml/2006/main" xmlns:r="http://schemas.openxmlformats.org/officeDocument/2006/relationships" xmlns:p="http://schemas.openxmlformats.org/presentationml/2006/main">
-  <p:cSld>
-    <p:spTree>
-      <p:nvGrpSpPr>
-        <p:cNvPr id="1" name=""/>
-        <p:cNvGrpSpPr/>
-        <p:nvPr/>
-      </p:nvGrpSpPr>
-      <p:grpSpPr>
-        <a:xfrm>
-          <a:off x="0" y="0"/>
-          <a:ext cx="0" cy="0"/>
-          <a:chOff x="0" y="0"/>
-          <a:chExt cx="0" cy="0"/>
-        </a:xfrm>
-      </p:grpSpPr>
-      <p:sp>
-        <p:nvSpPr>
-          <p:cNvPr id="2" name="Title 1">
-            <a:extLst>
-              <a:ext uri="{FF2B5EF4-FFF2-40B4-BE49-F238E27FC236}">
-                <a16:creationId xmlns:a16="http://schemas.microsoft.com/office/drawing/2014/main" id="{6DBDB0AE-5ADD-1975-6BDD-38608925072A}"/>
-              </a:ext>
-            </a:extLst>
-          </p:cNvPr>
-          <p:cNvSpPr>
-            <a:spLocks noGrp="1"/>
-          </p:cNvSpPr>
-          <p:nvPr>
-            <p:ph type="title"/>
-          </p:nvPr>
-        </p:nvSpPr>
-        <p:spPr>
-          <a:xfrm>
-            <a:off x="914398" y="365125"/>
-            <a:ext cx="10439401" cy="1617017"/>
-          </a:xfrm>
-        </p:spPr>
-        <p:txBody>
-          <a:bodyPr/>
-          <a:lstStyle/>
-          <a:p>
-            <a:r>
-              <a:rPr lang="en-US" dirty="0"/>
-              <a:t>SAMPLE SLIDE FORMAT</a:t>
-            </a:r>
-          </a:p>
-        </p:txBody>
-      </p:sp>
-      <p:sp>
-        <p:nvSpPr>
-          <p:cNvPr id="3" name="Content Placeholder 2">
-            <a:extLst>
-              <a:ext uri="{FF2B5EF4-FFF2-40B4-BE49-F238E27FC236}">
-                <a16:creationId xmlns:a16="http://schemas.microsoft.com/office/drawing/2014/main" id="{E374C67C-D286-74AE-086C-3E45FF9D9542}"/>
-              </a:ext>
-            </a:extLst>
-          </p:cNvPr>
-          <p:cNvSpPr>
-            <a:spLocks noGrp="1"/>
-          </p:cNvSpPr>
-          <p:nvPr>
-            <p:ph sz="quarter" idx="10"/>
-          </p:nvPr>
-        </p:nvSpPr>
-        <p:spPr>
-          <a:xfrm>
-            <a:off x="914399" y="2022250"/>
-            <a:ext cx="3310129" cy="3747180"/>
-          </a:xfrm>
-        </p:spPr>
-        <p:txBody>
-          <a:bodyPr/>
-          <a:lstStyle/>
-          <a:p>
-            <a:r>
-              <a:rPr lang="en-US" dirty="0"/>
-              <a:t>Unique</a:t>
-            </a:r>
-          </a:p>
-          <a:p>
-            <a:r>
-              <a:rPr lang="en-US" dirty="0"/>
-              <a:t>First to market</a:t>
-            </a:r>
-          </a:p>
-          <a:p>
-            <a:r>
-              <a:rPr lang="en-US" dirty="0"/>
-              <a:t>Tested</a:t>
-            </a:r>
-          </a:p>
-          <a:p>
-            <a:r>
-              <a:rPr lang="en-US" dirty="0"/>
-              <a:t>Authentic</a:t>
-            </a:r>
-          </a:p>
-        </p:txBody>
-      </p:sp>
-      <p:sp>
-        <p:nvSpPr>
-          <p:cNvPr id="4" name="Content Placeholder 3">
-            <a:extLst>
-              <a:ext uri="{FF2B5EF4-FFF2-40B4-BE49-F238E27FC236}">
-                <a16:creationId xmlns:a16="http://schemas.microsoft.com/office/drawing/2014/main" id="{701C2F4A-ABC8-39B2-B7BB-36C02B7A4540}"/>
-              </a:ext>
-            </a:extLst>
-          </p:cNvPr>
-          <p:cNvSpPr>
-            <a:spLocks noGrp="1"/>
-          </p:cNvSpPr>
-          <p:nvPr>
-            <p:ph sz="quarter" idx="11"/>
-          </p:nvPr>
-        </p:nvSpPr>
-        <p:spPr>
-          <a:xfrm>
-            <a:off x="4602310" y="2018120"/>
-            <a:ext cx="6751489" cy="3747180"/>
-          </a:xfrm>
-        </p:spPr>
-        <p:txBody>
-          <a:bodyPr/>
-          <a:lstStyle/>
-          <a:p>
-            <a:r>
-              <a:rPr lang="en-US" dirty="0"/>
-              <a:t>Only product specifically dedicated to this niche market</a:t>
-            </a:r>
-          </a:p>
-          <a:p>
-            <a:r>
-              <a:rPr lang="en-US" dirty="0"/>
-              <a:t>First beautifully designed product that's both stylish and functional</a:t>
-            </a:r>
-          </a:p>
-          <a:p>
-            <a:r>
-              <a:rPr lang="en-US" dirty="0"/>
-              <a:t>Conducted testing with college students in the area</a:t>
-            </a:r>
-          </a:p>
-          <a:p>
-            <a:r>
-              <a:rPr lang="en-US" dirty="0"/>
-              <a:t>Designed with the help and input of experts in the field </a:t>
-            </a:r>
-          </a:p>
-        </p:txBody>
-      </p:sp>
-      <p:sp>
-        <p:nvSpPr>
-          <p:cNvPr id="5" name="Slide Number Placeholder 4">
-            <a:extLst>
-              <a:ext uri="{FF2B5EF4-FFF2-40B4-BE49-F238E27FC236}">
-                <a16:creationId xmlns:a16="http://schemas.microsoft.com/office/drawing/2014/main" id="{4D27E5DB-AFB6-9088-87C9-1F671C0B0330}"/>
-              </a:ext>
-            </a:extLst>
-          </p:cNvPr>
-          <p:cNvSpPr>
-            <a:spLocks noGrp="1"/>
-          </p:cNvSpPr>
-          <p:nvPr>
-            <p:ph type="sldNum" sz="quarter" idx="4"/>
-          </p:nvPr>
-        </p:nvSpPr>
-        <p:spPr>
-          <a:xfrm>
-            <a:off x="914400" y="6246254"/>
-            <a:ext cx="631065" cy="296214"/>
-          </a:xfrm>
-        </p:spPr>
-        <p:txBody>
-          <a:bodyPr/>
-          <a:lstStyle/>
-          <a:p>
-            <a:fld id="{B5CEABB6-07DC-46E8-9B57-56EC44A396E5}" type="slidenum">
-              <a:rPr lang="en-US" smtClean="0"/>
-              <a:pPr/>
-              <a:t>8</a:t>
-            </a:fld>
-            <a:endParaRPr lang="en-US" dirty="0"/>
-          </a:p>
-        </p:txBody>
-      </p:sp>
-    </p:spTree>
-    <p:extLst>
-      <p:ext uri="{BB962C8B-B14F-4D97-AF65-F5344CB8AC3E}">
-        <p14:creationId xmlns:p14="http://schemas.microsoft.com/office/powerpoint/2010/main" val="569699605"/>
-      </p:ext>
-    </p:extLst>
-  </p:cSld>
-  <p:clrMapOvr>
-    <a:masterClrMapping/>
-  </p:clrMapOvr>
-</p:sld>
-</file>
-
-<file path=ppt/slides/slide9.xml><?xml version="1.0" encoding="utf-8"?>
-<p:sld xmlns:a="http://schemas.openxmlformats.org/drawingml/2006/main" xmlns:r="http://schemas.openxmlformats.org/officeDocument/2006/relationships" xmlns:p="http://schemas.openxmlformats.org/presentationml/2006/main">
-  <p:cSld>
-    <p:spTree>
-      <p:nvGrpSpPr>
-        <p:cNvPr id="1" name=""/>
-        <p:cNvGrpSpPr/>
-        <p:nvPr/>
-      </p:nvGrpSpPr>
-      <p:grpSpPr>
-        <a:xfrm>
-          <a:off x="0" y="0"/>
-          <a:ext cx="0" cy="0"/>
-          <a:chOff x="0" y="0"/>
-          <a:chExt cx="0" cy="0"/>
-        </a:xfrm>
-      </p:grpSpPr>
-      <p:sp>
-        <p:nvSpPr>
-          <p:cNvPr id="2" name="Title 1">
-            <a:extLst>
-              <a:ext uri="{FF2B5EF4-FFF2-40B4-BE49-F238E27FC236}">
-                <a16:creationId xmlns:a16="http://schemas.microsoft.com/office/drawing/2014/main" id="{F992D586-3F7C-3202-E4F4-1F65B9A7D428}"/>
-              </a:ext>
-            </a:extLst>
-          </p:cNvPr>
-          <p:cNvSpPr>
-            <a:spLocks noGrp="1"/>
-          </p:cNvSpPr>
-          <p:nvPr>
-            <p:ph type="title"/>
-          </p:nvPr>
-        </p:nvSpPr>
-        <p:spPr>
-          <a:xfrm>
-            <a:off x="914399" y="365125"/>
-            <a:ext cx="10363201" cy="1629601"/>
-          </a:xfrm>
-        </p:spPr>
-        <p:txBody>
-          <a:bodyPr/>
-          <a:lstStyle/>
-          <a:p>
-            <a:r>
-              <a:rPr lang="en-US" dirty="0"/>
-              <a:t>SAMPLE SLIDE FORMAT</a:t>
-            </a:r>
-          </a:p>
-        </p:txBody>
-      </p:sp>
-      <p:sp>
-        <p:nvSpPr>
-          <p:cNvPr id="3" name="Content Placeholder 2">
-            <a:extLst>
-              <a:ext uri="{FF2B5EF4-FFF2-40B4-BE49-F238E27FC236}">
-                <a16:creationId xmlns:a16="http://schemas.microsoft.com/office/drawing/2014/main" id="{375DADF2-8E4D-6C0E-0FA2-C5228AF29C1D}"/>
-              </a:ext>
-            </a:extLst>
-          </p:cNvPr>
-          <p:cNvSpPr>
-            <a:spLocks noGrp="1"/>
-          </p:cNvSpPr>
-          <p:nvPr>
-            <p:ph sz="quarter" idx="10"/>
-          </p:nvPr>
-        </p:nvSpPr>
-        <p:spPr>
-          <a:xfrm>
-            <a:off x="914399" y="2022250"/>
-            <a:ext cx="4992709" cy="3747180"/>
-          </a:xfrm>
-        </p:spPr>
-        <p:txBody>
-          <a:bodyPr/>
-          <a:lstStyle/>
-          <a:p>
-            <a:r>
-              <a:rPr lang="en-US" noProof="1"/>
-              <a:t>Our product is priced below that of other companies on the market</a:t>
-            </a:r>
-          </a:p>
-          <a:p>
-            <a:r>
-              <a:rPr lang="en-US" noProof="1"/>
-              <a:t>Design is simple and easy to use, compared to the complex designs of the competitors</a:t>
-            </a:r>
-          </a:p>
-          <a:p>
-            <a:r>
-              <a:rPr lang="en-US" noProof="1"/>
-              <a:t>Affordability is the main draw for our consumers to our product</a:t>
-            </a:r>
-          </a:p>
-        </p:txBody>
-      </p:sp>
-      <p:sp>
-        <p:nvSpPr>
-          <p:cNvPr id="4" name="Content Placeholder 3">
-            <a:extLst>
-              <a:ext uri="{FF2B5EF4-FFF2-40B4-BE49-F238E27FC236}">
-                <a16:creationId xmlns:a16="http://schemas.microsoft.com/office/drawing/2014/main" id="{2CFADA2D-CE7A-511E-45B9-EAF4FA520E34}"/>
-              </a:ext>
-            </a:extLst>
-          </p:cNvPr>
-          <p:cNvSpPr>
-            <a:spLocks noGrp="1"/>
-          </p:cNvSpPr>
-          <p:nvPr>
-            <p:ph sz="quarter" idx="11"/>
-          </p:nvPr>
-        </p:nvSpPr>
-        <p:spPr>
-          <a:xfrm>
-            <a:off x="6284891" y="2022250"/>
-            <a:ext cx="4992709" cy="3747180"/>
-          </a:xfrm>
-        </p:spPr>
-        <p:txBody>
-          <a:bodyPr/>
-          <a:lstStyle/>
-          <a:p>
-            <a:r>
-              <a:rPr lang="en-US" noProof="1"/>
-              <a:t>Company A product is more expensive</a:t>
-            </a:r>
-          </a:p>
-          <a:p>
-            <a:r>
-              <a:rPr lang="en-US" noProof="1"/>
-              <a:t>Companies B &amp; C product is expensive and inconvenient to use</a:t>
-            </a:r>
-          </a:p>
-          <a:p>
-            <a:r>
-              <a:rPr lang="en-US" noProof="1"/>
-              <a:t>Companies D &amp; E product is affordable, but inconvenient to use</a:t>
-            </a:r>
-          </a:p>
-        </p:txBody>
-      </p:sp>
-      <p:sp>
-        <p:nvSpPr>
-          <p:cNvPr id="5" name="Slide Number Placeholder 4">
-            <a:extLst>
-              <a:ext uri="{FF2B5EF4-FFF2-40B4-BE49-F238E27FC236}">
-                <a16:creationId xmlns:a16="http://schemas.microsoft.com/office/drawing/2014/main" id="{FD4FFC83-A1E8-FCEA-2C47-38C5ADAEA1CA}"/>
-              </a:ext>
-            </a:extLst>
-          </p:cNvPr>
-          <p:cNvSpPr>
-            <a:spLocks noGrp="1"/>
-          </p:cNvSpPr>
-          <p:nvPr>
-            <p:ph type="sldNum" sz="quarter" idx="4"/>
-          </p:nvPr>
-        </p:nvSpPr>
-        <p:spPr>
-          <a:xfrm>
-            <a:off x="914400" y="6246254"/>
-            <a:ext cx="631065" cy="296214"/>
-          </a:xfrm>
-        </p:spPr>
-        <p:txBody>
-          <a:bodyPr/>
-          <a:lstStyle/>
-          <a:p>
-            <a:fld id="{B5CEABB6-07DC-46E8-9B57-56EC44A396E5}" type="slidenum">
-              <a:rPr lang="en-US" smtClean="0"/>
-              <a:pPr/>
-              <a:t>9</a:t>
-            </a:fld>
-            <a:endParaRPr lang="en-US" dirty="0"/>
-          </a:p>
-        </p:txBody>
-      </p:sp>
-    </p:spTree>
-    <p:extLst>
-      <p:ext uri="{BB962C8B-B14F-4D97-AF65-F5344CB8AC3E}">
-        <p14:creationId xmlns:p14="http://schemas.microsoft.com/office/powerpoint/2010/main" val="430403476"/>
       </p:ext>
     </p:extLst>
   </p:cSld>
@@ -8590,12 +8017,23 @@
 </file>
 
 <file path=customXml/item1.xml><?xml version="1.0" encoding="utf-8"?>
-<?mso-contentType ?>
-<FormTemplates xmlns="http://schemas.microsoft.com/sharepoint/v3/contenttype/forms">
-  <Display>DocumentLibraryForm</Display>
-  <Edit>DocumentLibraryForm</Edit>
-  <New>DocumentLibraryForm</New>
-</FormTemplates>
+<p:properties xmlns:p="http://schemas.microsoft.com/office/2006/metadata/properties" xmlns:xsi="http://www.w3.org/2001/XMLSchema-instance" xmlns:pc="http://schemas.microsoft.com/office/infopath/2007/PartnerControls">
+  <documentManagement>
+    <_ip_UnifiedCompliancePolicyUIAction xmlns="http://schemas.microsoft.com/sharepoint/v3" xsi:nil="true"/>
+    <Image xmlns="71af3243-3dd4-4a8d-8c0d-dd76da1f02a5">
+      <Url xsi:nil="true"/>
+      <Description xsi:nil="true"/>
+    </Image>
+    <Status xmlns="71af3243-3dd4-4a8d-8c0d-dd76da1f02a5">Not started</Status>
+    <Background xmlns="71af3243-3dd4-4a8d-8c0d-dd76da1f02a5">false</Background>
+    <_ip_UnifiedCompliancePolicyProperties xmlns="http://schemas.microsoft.com/sharepoint/v3" xsi:nil="true"/>
+    <ImageTagsTaxHTField xmlns="71af3243-3dd4-4a8d-8c0d-dd76da1f02a5">
+      <Terms xmlns="http://schemas.microsoft.com/office/infopath/2007/PartnerControls"/>
+    </ImageTagsTaxHTField>
+    <TaxCatchAll xmlns="230e9df3-be65-4c73-a93b-d1236ebd677e" xsi:nil="true"/>
+    <MediaServiceKeyPoints xmlns="71af3243-3dd4-4a8d-8c0d-dd76da1f02a5" xsi:nil="true"/>
+  </documentManagement>
+</p:properties>
 </file>
 
 <file path=customXml/item2.xml><?xml version="1.0" encoding="utf-8"?>
@@ -8911,29 +8349,22 @@
 </file>
 
 <file path=customXml/item3.xml><?xml version="1.0" encoding="utf-8"?>
-<p:properties xmlns:p="http://schemas.microsoft.com/office/2006/metadata/properties" xmlns:xsi="http://www.w3.org/2001/XMLSchema-instance" xmlns:pc="http://schemas.microsoft.com/office/infopath/2007/PartnerControls">
-  <documentManagement>
-    <_ip_UnifiedCompliancePolicyUIAction xmlns="http://schemas.microsoft.com/sharepoint/v3" xsi:nil="true"/>
-    <Image xmlns="71af3243-3dd4-4a8d-8c0d-dd76da1f02a5">
-      <Url xsi:nil="true"/>
-      <Description xsi:nil="true"/>
-    </Image>
-    <Status xmlns="71af3243-3dd4-4a8d-8c0d-dd76da1f02a5">Not started</Status>
-    <Background xmlns="71af3243-3dd4-4a8d-8c0d-dd76da1f02a5">false</Background>
-    <_ip_UnifiedCompliancePolicyProperties xmlns="http://schemas.microsoft.com/sharepoint/v3" xsi:nil="true"/>
-    <ImageTagsTaxHTField xmlns="71af3243-3dd4-4a8d-8c0d-dd76da1f02a5">
-      <Terms xmlns="http://schemas.microsoft.com/office/infopath/2007/PartnerControls"/>
-    </ImageTagsTaxHTField>
-    <TaxCatchAll xmlns="230e9df3-be65-4c73-a93b-d1236ebd677e" xsi:nil="true"/>
-    <MediaServiceKeyPoints xmlns="71af3243-3dd4-4a8d-8c0d-dd76da1f02a5" xsi:nil="true"/>
-  </documentManagement>
-</p:properties>
+<?mso-contentType ?>
+<FormTemplates xmlns="http://schemas.microsoft.com/sharepoint/v3/contenttype/forms">
+  <Display>DocumentLibraryForm</Display>
+  <Edit>DocumentLibraryForm</Edit>
+  <New>DocumentLibraryForm</New>
+</FormTemplates>
 </file>
 
 <file path=customXml/itemProps1.xml><?xml version="1.0" encoding="utf-8"?>
-<ds:datastoreItem xmlns:ds="http://schemas.openxmlformats.org/officeDocument/2006/customXml" ds:itemID="{B7B39BD0-040C-43BE-B0E4-512B09E8003F}">
+<ds:datastoreItem xmlns:ds="http://schemas.openxmlformats.org/officeDocument/2006/customXml" ds:itemID="{AB045227-5724-4DBF-9712-031B1BFB2C3C}">
   <ds:schemaRefs>
-    <ds:schemaRef ds:uri="http://schemas.microsoft.com/sharepoint/v3/contenttype/forms"/>
+    <ds:schemaRef ds:uri="http://schemas.microsoft.com/office/2006/metadata/properties"/>
+    <ds:schemaRef ds:uri="http://schemas.microsoft.com/office/infopath/2007/PartnerControls"/>
+    <ds:schemaRef ds:uri="http://schemas.microsoft.com/sharepoint/v3"/>
+    <ds:schemaRef ds:uri="71af3243-3dd4-4a8d-8c0d-dd76da1f02a5"/>
+    <ds:schemaRef ds:uri="230e9df3-be65-4c73-a93b-d1236ebd677e"/>
   </ds:schemaRefs>
 </ds:datastoreItem>
 </file>
@@ -8960,13 +8391,9 @@
 </file>
 
 <file path=customXml/itemProps3.xml><?xml version="1.0" encoding="utf-8"?>
-<ds:datastoreItem xmlns:ds="http://schemas.openxmlformats.org/officeDocument/2006/customXml" ds:itemID="{AB045227-5724-4DBF-9712-031B1BFB2C3C}">
+<ds:datastoreItem xmlns:ds="http://schemas.openxmlformats.org/officeDocument/2006/customXml" ds:itemID="{B7B39BD0-040C-43BE-B0E4-512B09E8003F}">
   <ds:schemaRefs>
-    <ds:schemaRef ds:uri="http://schemas.microsoft.com/office/2006/metadata/properties"/>
-    <ds:schemaRef ds:uri="http://schemas.microsoft.com/office/infopath/2007/PartnerControls"/>
-    <ds:schemaRef ds:uri="http://schemas.microsoft.com/sharepoint/v3"/>
-    <ds:schemaRef ds:uri="71af3243-3dd4-4a8d-8c0d-dd76da1f02a5"/>
-    <ds:schemaRef ds:uri="230e9df3-be65-4c73-a93b-d1236ebd677e"/>
+    <ds:schemaRef ds:uri="http://schemas.microsoft.com/sharepoint/v3/contenttype/forms"/>
   </ds:schemaRefs>
 </ds:datastoreItem>
 </file>

--- a/Azul Connect.pptx
+++ b/Azul Connect.pptx
@@ -5,19 +5,23 @@
     <p:sldMasterId id="2147483666" r:id="rId4"/>
   </p:sldMasterIdLst>
   <p:notesMasterIdLst>
-    <p:notesMasterId r:id="rId12"/>
+    <p:notesMasterId r:id="rId16"/>
   </p:notesMasterIdLst>
   <p:handoutMasterIdLst>
-    <p:handoutMasterId r:id="rId13"/>
+    <p:handoutMasterId r:id="rId17"/>
   </p:handoutMasterIdLst>
   <p:sldIdLst>
     <p:sldId id="314" r:id="rId5"/>
-    <p:sldId id="315" r:id="rId6"/>
-    <p:sldId id="318" r:id="rId7"/>
+    <p:sldId id="318" r:id="rId6"/>
+    <p:sldId id="315" r:id="rId7"/>
     <p:sldId id="316" r:id="rId8"/>
     <p:sldId id="327" r:id="rId9"/>
     <p:sldId id="326" r:id="rId10"/>
-    <p:sldId id="309" r:id="rId11"/>
+    <p:sldId id="328" r:id="rId11"/>
+    <p:sldId id="329" r:id="rId12"/>
+    <p:sldId id="331" r:id="rId13"/>
+    <p:sldId id="330" r:id="rId14"/>
+    <p:sldId id="309" r:id="rId15"/>
   </p:sldIdLst>
   <p:sldSz cx="12192000" cy="6858000"/>
   <p:notesSz cx="6858000" cy="9144000"/>
@@ -150,6 +154,227 @@
 </p:cmAuthorLst>
 </file>
 
+<file path=ppt/revisionInfo.xml><?xml version="1.0" encoding="utf-8"?>
+<p1510:revInfo xmlns:a="http://schemas.openxmlformats.org/drawingml/2006/main" xmlns:r="http://schemas.openxmlformats.org/officeDocument/2006/relationships" xmlns:p1510="http://schemas.microsoft.com/office/powerpoint/2015/10/main">
+  <p1510:revLst>
+    <p1510:client id="{19846F2C-6CBB-4F6D-B47D-11BE22D8D406}" v="936" dt="2024-04-06T03:05:41.028"/>
+    <p1510:client id="{B3C01901-A07E-461B-AAE3-52037DAB075A}" v="302" dt="2024-04-06T02:59:41.300"/>
+  </p1510:revLst>
+</p1510:revInfo>
+</file>
+
+<file path=ppt/changesInfos/changesInfo1.xml><?xml version="1.0" encoding="utf-8"?>
+<pc:chgInfo xmlns:a="http://schemas.openxmlformats.org/drawingml/2006/main" xmlns:r="http://schemas.openxmlformats.org/officeDocument/2006/relationships" xmlns:ac="http://schemas.microsoft.com/office/drawing/2013/main/command" xmlns:pc="http://schemas.microsoft.com/office/powerpoint/2013/main/command">
+  <pc:docChgLst>
+    <pc:chgData name="Sheryll Jacquet" userId="4d0c67da-9649-454e-b60d-4a69d7d2d9d6" providerId="ADAL" clId="{B3C01901-A07E-461B-AAE3-52037DAB075A}"/>
+    <pc:docChg chg="custSel addSld modSld">
+      <pc:chgData name="Sheryll Jacquet" userId="4d0c67da-9649-454e-b60d-4a69d7d2d9d6" providerId="ADAL" clId="{B3C01901-A07E-461B-AAE3-52037DAB075A}" dt="2024-04-06T02:59:41.300" v="302" actId="14100"/>
+      <pc:docMkLst>
+        <pc:docMk/>
+      </pc:docMkLst>
+      <pc:sldChg chg="modSp mod">
+        <pc:chgData name="Sheryll Jacquet" userId="4d0c67da-9649-454e-b60d-4a69d7d2d9d6" providerId="ADAL" clId="{B3C01901-A07E-461B-AAE3-52037DAB075A}" dt="2024-04-06T02:45:02.425" v="2" actId="1076"/>
+        <pc:sldMkLst>
+          <pc:docMk/>
+          <pc:sldMk cId="2284116475" sldId="326"/>
+        </pc:sldMkLst>
+        <pc:spChg chg="mod">
+          <ac:chgData name="Sheryll Jacquet" userId="4d0c67da-9649-454e-b60d-4a69d7d2d9d6" providerId="ADAL" clId="{B3C01901-A07E-461B-AAE3-52037DAB075A}" dt="2024-04-06T02:41:03.406" v="1" actId="14100"/>
+          <ac:spMkLst>
+            <pc:docMk/>
+            <pc:sldMk cId="2284116475" sldId="326"/>
+            <ac:spMk id="3" creationId="{3474D05E-8A36-8D9F-519E-DB514A69D886}"/>
+          </ac:spMkLst>
+        </pc:spChg>
+        <pc:spChg chg="mod">
+          <ac:chgData name="Sheryll Jacquet" userId="4d0c67da-9649-454e-b60d-4a69d7d2d9d6" providerId="ADAL" clId="{B3C01901-A07E-461B-AAE3-52037DAB075A}" dt="2024-04-06T02:45:02.425" v="2" actId="1076"/>
+          <ac:spMkLst>
+            <pc:docMk/>
+            <pc:sldMk cId="2284116475" sldId="326"/>
+            <ac:spMk id="4" creationId="{B20C1E08-E337-110E-DB8E-41BA4A3341A1}"/>
+          </ac:spMkLst>
+        </pc:spChg>
+      </pc:sldChg>
+      <pc:sldChg chg="modSp new mod">
+        <pc:chgData name="Sheryll Jacquet" userId="4d0c67da-9649-454e-b60d-4a69d7d2d9d6" providerId="ADAL" clId="{B3C01901-A07E-461B-AAE3-52037DAB075A}" dt="2024-04-06T02:51:16.973" v="33" actId="20577"/>
+        <pc:sldMkLst>
+          <pc:docMk/>
+          <pc:sldMk cId="2356167715" sldId="329"/>
+        </pc:sldMkLst>
+        <pc:spChg chg="mod">
+          <ac:chgData name="Sheryll Jacquet" userId="4d0c67da-9649-454e-b60d-4a69d7d2d9d6" providerId="ADAL" clId="{B3C01901-A07E-461B-AAE3-52037DAB075A}" dt="2024-04-06T02:51:16.973" v="33" actId="20577"/>
+          <ac:spMkLst>
+            <pc:docMk/>
+            <pc:sldMk cId="2356167715" sldId="329"/>
+            <ac:spMk id="2" creationId="{AC1D59AB-A318-2481-767E-DEC56875E7BB}"/>
+          </ac:spMkLst>
+        </pc:spChg>
+      </pc:sldChg>
+      <pc:sldChg chg="modSp mod">
+        <pc:chgData name="Sheryll Jacquet" userId="4d0c67da-9649-454e-b60d-4a69d7d2d9d6" providerId="ADAL" clId="{B3C01901-A07E-461B-AAE3-52037DAB075A}" dt="2024-04-06T02:59:41.300" v="302" actId="14100"/>
+        <pc:sldMkLst>
+          <pc:docMk/>
+          <pc:sldMk cId="2356167715" sldId="330"/>
+        </pc:sldMkLst>
+        <pc:spChg chg="mod">
+          <ac:chgData name="Sheryll Jacquet" userId="4d0c67da-9649-454e-b60d-4a69d7d2d9d6" providerId="ADAL" clId="{B3C01901-A07E-461B-AAE3-52037DAB075A}" dt="2024-04-06T02:59:41.300" v="302" actId="14100"/>
+          <ac:spMkLst>
+            <pc:docMk/>
+            <pc:sldMk cId="2356167715" sldId="330"/>
+            <ac:spMk id="2" creationId="{AC1D59AB-A318-2481-767E-DEC56875E7BB}"/>
+          </ac:spMkLst>
+        </pc:spChg>
+        <pc:spChg chg="mod">
+          <ac:chgData name="Sheryll Jacquet" userId="4d0c67da-9649-454e-b60d-4a69d7d2d9d6" providerId="ADAL" clId="{B3C01901-A07E-461B-AAE3-52037DAB075A}" dt="2024-04-06T02:58:13.096" v="301" actId="20577"/>
+          <ac:spMkLst>
+            <pc:docMk/>
+            <pc:sldMk cId="2356167715" sldId="330"/>
+            <ac:spMk id="3" creationId="{5E1E382A-3CB0-BDEF-143E-8B1CC91B41B4}"/>
+          </ac:spMkLst>
+        </pc:spChg>
+      </pc:sldChg>
+    </pc:docChg>
+  </pc:docChgLst>
+  <pc:docChgLst>
+    <pc:chgData name="Brad Walby" userId="f3c675ea-8b9b-43f1-a4b8-b6c90c4b547d" providerId="ADAL" clId="{19846F2C-6CBB-4F6D-B47D-11BE22D8D406}"/>
+    <pc:docChg chg="custSel addSld modSld sldOrd">
+      <pc:chgData name="Brad Walby" userId="f3c675ea-8b9b-43f1-a4b8-b6c90c4b547d" providerId="ADAL" clId="{19846F2C-6CBB-4F6D-B47D-11BE22D8D406}" dt="2024-04-06T03:05:41.028" v="939" actId="14826"/>
+      <pc:docMkLst>
+        <pc:docMk/>
+      </pc:docMkLst>
+      <pc:sldChg chg="modSp mod">
+        <pc:chgData name="Brad Walby" userId="f3c675ea-8b9b-43f1-a4b8-b6c90c4b547d" providerId="ADAL" clId="{19846F2C-6CBB-4F6D-B47D-11BE22D8D406}" dt="2024-04-06T03:04:44.717" v="938" actId="122"/>
+        <pc:sldMkLst>
+          <pc:docMk/>
+          <pc:sldMk cId="2945390068" sldId="314"/>
+        </pc:sldMkLst>
+        <pc:spChg chg="mod">
+          <ac:chgData name="Brad Walby" userId="f3c675ea-8b9b-43f1-a4b8-b6c90c4b547d" providerId="ADAL" clId="{19846F2C-6CBB-4F6D-B47D-11BE22D8D406}" dt="2024-04-06T03:04:44.717" v="938" actId="122"/>
+          <ac:spMkLst>
+            <pc:docMk/>
+            <pc:sldMk cId="2945390068" sldId="314"/>
+            <ac:spMk id="2" creationId="{35440D96-BFFB-05BD-30ED-0352500CD058}"/>
+          </ac:spMkLst>
+        </pc:spChg>
+      </pc:sldChg>
+      <pc:sldChg chg="ord">
+        <pc:chgData name="Brad Walby" userId="f3c675ea-8b9b-43f1-a4b8-b6c90c4b547d" providerId="ADAL" clId="{19846F2C-6CBB-4F6D-B47D-11BE22D8D406}" dt="2024-04-06T02:47:07.696" v="1"/>
+        <pc:sldMkLst>
+          <pc:docMk/>
+          <pc:sldMk cId="412000632" sldId="318"/>
+        </pc:sldMkLst>
+      </pc:sldChg>
+      <pc:sldChg chg="ord">
+        <pc:chgData name="Brad Walby" userId="f3c675ea-8b9b-43f1-a4b8-b6c90c4b547d" providerId="ADAL" clId="{19846F2C-6CBB-4F6D-B47D-11BE22D8D406}" dt="2024-04-06T02:53:09.569" v="456"/>
+        <pc:sldMkLst>
+          <pc:docMk/>
+          <pc:sldMk cId="2284116475" sldId="326"/>
+        </pc:sldMkLst>
+      </pc:sldChg>
+      <pc:sldChg chg="modSp mod">
+        <pc:chgData name="Brad Walby" userId="f3c675ea-8b9b-43f1-a4b8-b6c90c4b547d" providerId="ADAL" clId="{19846F2C-6CBB-4F6D-B47D-11BE22D8D406}" dt="2024-04-06T03:05:41.028" v="939" actId="14826"/>
+        <pc:sldMkLst>
+          <pc:docMk/>
+          <pc:sldMk cId="2502773839" sldId="327"/>
+        </pc:sldMkLst>
+        <pc:picChg chg="mod">
+          <ac:chgData name="Brad Walby" userId="f3c675ea-8b9b-43f1-a4b8-b6c90c4b547d" providerId="ADAL" clId="{19846F2C-6CBB-4F6D-B47D-11BE22D8D406}" dt="2024-04-06T03:05:41.028" v="939" actId="14826"/>
+          <ac:picMkLst>
+            <pc:docMk/>
+            <pc:sldMk cId="2502773839" sldId="327"/>
+            <ac:picMk id="6" creationId="{C9FE2FE9-2FAE-D5CF-4727-01196694F602}"/>
+          </ac:picMkLst>
+        </pc:picChg>
+      </pc:sldChg>
+      <pc:sldChg chg="modSp add mod ord">
+        <pc:chgData name="Brad Walby" userId="f3c675ea-8b9b-43f1-a4b8-b6c90c4b547d" providerId="ADAL" clId="{19846F2C-6CBB-4F6D-B47D-11BE22D8D406}" dt="2024-04-06T02:50:33.116" v="249" actId="20577"/>
+        <pc:sldMkLst>
+          <pc:docMk/>
+          <pc:sldMk cId="36665462" sldId="328"/>
+        </pc:sldMkLst>
+        <pc:spChg chg="mod">
+          <ac:chgData name="Brad Walby" userId="f3c675ea-8b9b-43f1-a4b8-b6c90c4b547d" providerId="ADAL" clId="{19846F2C-6CBB-4F6D-B47D-11BE22D8D406}" dt="2024-04-06T02:48:55.538" v="39" actId="20577"/>
+          <ac:spMkLst>
+            <pc:docMk/>
+            <pc:sldMk cId="36665462" sldId="328"/>
+            <ac:spMk id="3" creationId="{3474D05E-8A36-8D9F-519E-DB514A69D886}"/>
+          </ac:spMkLst>
+        </pc:spChg>
+        <pc:spChg chg="mod">
+          <ac:chgData name="Brad Walby" userId="f3c675ea-8b9b-43f1-a4b8-b6c90c4b547d" providerId="ADAL" clId="{19846F2C-6CBB-4F6D-B47D-11BE22D8D406}" dt="2024-04-06T02:50:33.116" v="249" actId="20577"/>
+          <ac:spMkLst>
+            <pc:docMk/>
+            <pc:sldMk cId="36665462" sldId="328"/>
+            <ac:spMk id="4" creationId="{B20C1E08-E337-110E-DB8E-41BA4A3341A1}"/>
+          </ac:spMkLst>
+        </pc:spChg>
+      </pc:sldChg>
+      <pc:sldChg chg="modSp add mod ord">
+        <pc:chgData name="Brad Walby" userId="f3c675ea-8b9b-43f1-a4b8-b6c90c4b547d" providerId="ADAL" clId="{19846F2C-6CBB-4F6D-B47D-11BE22D8D406}" dt="2024-04-06T02:52:19.055" v="454" actId="20577"/>
+        <pc:sldMkLst>
+          <pc:docMk/>
+          <pc:sldMk cId="3071978855" sldId="329"/>
+        </pc:sldMkLst>
+        <pc:spChg chg="mod">
+          <ac:chgData name="Brad Walby" userId="f3c675ea-8b9b-43f1-a4b8-b6c90c4b547d" providerId="ADAL" clId="{19846F2C-6CBB-4F6D-B47D-11BE22D8D406}" dt="2024-04-06T02:51:12.556" v="281" actId="14100"/>
+          <ac:spMkLst>
+            <pc:docMk/>
+            <pc:sldMk cId="3071978855" sldId="329"/>
+            <ac:spMk id="3" creationId="{3474D05E-8A36-8D9F-519E-DB514A69D886}"/>
+          </ac:spMkLst>
+        </pc:spChg>
+        <pc:spChg chg="mod">
+          <ac:chgData name="Brad Walby" userId="f3c675ea-8b9b-43f1-a4b8-b6c90c4b547d" providerId="ADAL" clId="{19846F2C-6CBB-4F6D-B47D-11BE22D8D406}" dt="2024-04-06T02:52:19.055" v="454" actId="20577"/>
+          <ac:spMkLst>
+            <pc:docMk/>
+            <pc:sldMk cId="3071978855" sldId="329"/>
+            <ac:spMk id="4" creationId="{B20C1E08-E337-110E-DB8E-41BA4A3341A1}"/>
+          </ac:spMkLst>
+        </pc:spChg>
+      </pc:sldChg>
+      <pc:sldChg chg="modSp mod">
+        <pc:chgData name="Brad Walby" userId="f3c675ea-8b9b-43f1-a4b8-b6c90c4b547d" providerId="ADAL" clId="{19846F2C-6CBB-4F6D-B47D-11BE22D8D406}" dt="2024-04-06T02:59:52.576" v="922" actId="20577"/>
+        <pc:sldMkLst>
+          <pc:docMk/>
+          <pc:sldMk cId="2356167715" sldId="330"/>
+        </pc:sldMkLst>
+        <pc:spChg chg="mod">
+          <ac:chgData name="Brad Walby" userId="f3c675ea-8b9b-43f1-a4b8-b6c90c4b547d" providerId="ADAL" clId="{19846F2C-6CBB-4F6D-B47D-11BE22D8D406}" dt="2024-04-06T02:59:52.576" v="922" actId="20577"/>
+          <ac:spMkLst>
+            <pc:docMk/>
+            <pc:sldMk cId="2356167715" sldId="330"/>
+            <ac:spMk id="3" creationId="{5E1E382A-3CB0-BDEF-143E-8B1CC91B41B4}"/>
+          </ac:spMkLst>
+        </pc:spChg>
+      </pc:sldChg>
+      <pc:sldChg chg="modSp add mod">
+        <pc:chgData name="Brad Walby" userId="f3c675ea-8b9b-43f1-a4b8-b6c90c4b547d" providerId="ADAL" clId="{19846F2C-6CBB-4F6D-B47D-11BE22D8D406}" dt="2024-04-06T02:57:37.385" v="715" actId="20577"/>
+        <pc:sldMkLst>
+          <pc:docMk/>
+          <pc:sldMk cId="1854128821" sldId="331"/>
+        </pc:sldMkLst>
+        <pc:spChg chg="mod">
+          <ac:chgData name="Brad Walby" userId="f3c675ea-8b9b-43f1-a4b8-b6c90c4b547d" providerId="ADAL" clId="{19846F2C-6CBB-4F6D-B47D-11BE22D8D406}" dt="2024-04-06T02:53:28.093" v="467" actId="20577"/>
+          <ac:spMkLst>
+            <pc:docMk/>
+            <pc:sldMk cId="1854128821" sldId="331"/>
+            <ac:spMk id="3" creationId="{3474D05E-8A36-8D9F-519E-DB514A69D886}"/>
+          </ac:spMkLst>
+        </pc:spChg>
+        <pc:spChg chg="mod">
+          <ac:chgData name="Brad Walby" userId="f3c675ea-8b9b-43f1-a4b8-b6c90c4b547d" providerId="ADAL" clId="{19846F2C-6CBB-4F6D-B47D-11BE22D8D406}" dt="2024-04-06T02:57:37.385" v="715" actId="20577"/>
+          <ac:spMkLst>
+            <pc:docMk/>
+            <pc:sldMk cId="1854128821" sldId="331"/>
+            <ac:spMk id="4" creationId="{B20C1E08-E337-110E-DB8E-41BA4A3341A1}"/>
+          </ac:spMkLst>
+        </pc:spChg>
+      </pc:sldChg>
+    </pc:docChg>
+  </pc:docChgLst>
+</pc:chgInfo>
+</file>
+
 <file path=ppt/handoutMasters/handoutMaster1.xml><?xml version="1.0" encoding="utf-8"?>
 <p:handoutMaster xmlns:a="http://schemas.openxmlformats.org/drawingml/2006/main" xmlns:r="http://schemas.openxmlformats.org/officeDocument/2006/relationships" xmlns:p="http://schemas.openxmlformats.org/presentationml/2006/main">
   <p:cSld>
@@ -205,7 +430,7 @@
             </a:lvl1pPr>
           </a:lstStyle>
           <a:p>
-            <a:endParaRPr lang="en-US" dirty="0"/>
+            <a:endParaRPr lang="en-US"/>
           </a:p>
         </p:txBody>
       </p:sp>
@@ -244,9 +469,9 @@
           <a:p>
             <a:fld id="{F352A77B-D33C-49B3-A83C-450AA2ED72B3}" type="datetimeFigureOut">
               <a:rPr lang="en-US" smtClean="0"/>
-              <a:t>2024-04-05</a:t>
+              <a:t>4/5/2024</a:t>
             </a:fld>
-            <a:endParaRPr lang="en-US" dirty="0"/>
+            <a:endParaRPr lang="en-US"/>
           </a:p>
         </p:txBody>
       </p:sp>
@@ -283,7 +508,7 @@
             </a:lvl1pPr>
           </a:lstStyle>
           <a:p>
-            <a:endParaRPr lang="en-US" dirty="0"/>
+            <a:endParaRPr lang="en-US"/>
           </a:p>
         </p:txBody>
       </p:sp>
@@ -324,7 +549,7 @@
               <a:rPr lang="en-US" smtClean="0"/>
               <a:t>‹#›</a:t>
             </a:fld>
-            <a:endParaRPr lang="en-US" dirty="0"/>
+            <a:endParaRPr lang="en-US"/>
           </a:p>
         </p:txBody>
       </p:sp>
@@ -388,7 +613,7 @@
             </a:lvl1pPr>
           </a:lstStyle>
           <a:p>
-            <a:endParaRPr lang="en-US" dirty="0"/>
+            <a:endParaRPr lang="en-US"/>
           </a:p>
         </p:txBody>
       </p:sp>
@@ -421,9 +646,9 @@
           <a:p>
             <a:fld id="{E38D8F9A-F5CB-4EF8-A859-ED5E107B9763}" type="datetimeFigureOut">
               <a:rPr lang="en-US" smtClean="0"/>
-              <a:t>2024-04-05</a:t>
+              <a:t>4/5/2024</a:t>
             </a:fld>
-            <a:endParaRPr lang="en-US" dirty="0"/>
+            <a:endParaRPr lang="en-US"/>
           </a:p>
         </p:txBody>
       </p:sp>
@@ -456,7 +681,7 @@
           <a:bodyPr vert="horz" lIns="91440" tIns="45720" rIns="91440" bIns="45720" rtlCol="0" anchor="ctr"/>
           <a:lstStyle/>
           <a:p>
-            <a:endParaRPr lang="en-US" dirty="0"/>
+            <a:endParaRPr lang="en-US"/>
           </a:p>
         </p:txBody>
       </p:sp>
@@ -546,7 +771,7 @@
             </a:lvl1pPr>
           </a:lstStyle>
           <a:p>
-            <a:endParaRPr lang="en-US" dirty="0"/>
+            <a:endParaRPr lang="en-US"/>
           </a:p>
         </p:txBody>
       </p:sp>
@@ -581,7 +806,7 @@
               <a:rPr lang="en-US" smtClean="0"/>
               <a:t>‹#›</a:t>
             </a:fld>
-            <a:endParaRPr lang="en-US" dirty="0"/>
+            <a:endParaRPr lang="en-US"/>
           </a:p>
         </p:txBody>
       </p:sp>
@@ -732,7 +957,7 @@
           <a:bodyPr/>
           <a:lstStyle/>
           <a:p>
-            <a:endParaRPr lang="en-US" dirty="0"/>
+            <a:endParaRPr lang="en-US"/>
           </a:p>
         </p:txBody>
       </p:sp>
@@ -755,7 +980,7 @@
               <a:rPr lang="en-US" smtClean="0"/>
               <a:t>1</a:t>
             </a:fld>
-            <a:endParaRPr lang="en-US" dirty="0"/>
+            <a:endParaRPr lang="en-US"/>
           </a:p>
         </p:txBody>
       </p:sp>
@@ -763,6 +988,90 @@
     <p:extLst>
       <p:ext uri="{BB962C8B-B14F-4D97-AF65-F5344CB8AC3E}">
         <p14:creationId xmlns:p14="http://schemas.microsoft.com/office/powerpoint/2010/main" val="2569137853"/>
+      </p:ext>
+    </p:extLst>
+  </p:cSld>
+  <p:clrMapOvr>
+    <a:masterClrMapping/>
+  </p:clrMapOvr>
+</p:notes>
+</file>
+
+<file path=ppt/notesSlides/notesSlide10.xml><?xml version="1.0" encoding="utf-8"?>
+<p:notes xmlns:a="http://schemas.openxmlformats.org/drawingml/2006/main" xmlns:r="http://schemas.openxmlformats.org/officeDocument/2006/relationships" xmlns:p="http://schemas.openxmlformats.org/presentationml/2006/main">
+  <p:cSld>
+    <p:spTree>
+      <p:nvGrpSpPr>
+        <p:cNvPr id="1" name=""/>
+        <p:cNvGrpSpPr/>
+        <p:nvPr/>
+      </p:nvGrpSpPr>
+      <p:grpSpPr>
+        <a:xfrm>
+          <a:off x="0" y="0"/>
+          <a:ext cx="0" cy="0"/>
+          <a:chOff x="0" y="0"/>
+          <a:chExt cx="0" cy="0"/>
+        </a:xfrm>
+      </p:grpSpPr>
+      <p:sp>
+        <p:nvSpPr>
+          <p:cNvPr id="2" name="Slide Image Placeholder 1"/>
+          <p:cNvSpPr>
+            <a:spLocks noGrp="1" noRot="1" noChangeAspect="1"/>
+          </p:cNvSpPr>
+          <p:nvPr>
+            <p:ph type="sldImg"/>
+          </p:nvPr>
+        </p:nvSpPr>
+        <p:spPr/>
+      </p:sp>
+      <p:sp>
+        <p:nvSpPr>
+          <p:cNvPr id="3" name="Notes Placeholder 2"/>
+          <p:cNvSpPr>
+            <a:spLocks noGrp="1"/>
+          </p:cNvSpPr>
+          <p:nvPr>
+            <p:ph type="body" idx="1"/>
+          </p:nvPr>
+        </p:nvSpPr>
+        <p:spPr/>
+        <p:txBody>
+          <a:bodyPr/>
+          <a:lstStyle/>
+          <a:p>
+            <a:endParaRPr lang="en-US"/>
+          </a:p>
+        </p:txBody>
+      </p:sp>
+      <p:sp>
+        <p:nvSpPr>
+          <p:cNvPr id="4" name="Slide Number Placeholder 3"/>
+          <p:cNvSpPr>
+            <a:spLocks noGrp="1"/>
+          </p:cNvSpPr>
+          <p:nvPr>
+            <p:ph type="sldNum" sz="quarter" idx="5"/>
+          </p:nvPr>
+        </p:nvSpPr>
+        <p:spPr/>
+        <p:txBody>
+          <a:bodyPr/>
+          <a:lstStyle/>
+          <a:p>
+            <a:fld id="{D4B9A9E5-4F7F-4A7D-9DE1-899232329269}" type="slidenum">
+              <a:rPr lang="en-US" smtClean="0"/>
+              <a:t>11</a:t>
+            </a:fld>
+            <a:endParaRPr lang="en-US"/>
+          </a:p>
+        </p:txBody>
+      </p:sp>
+    </p:spTree>
+    <p:extLst>
+      <p:ext uri="{BB962C8B-B14F-4D97-AF65-F5344CB8AC3E}">
+        <p14:creationId xmlns:p14="http://schemas.microsoft.com/office/powerpoint/2010/main" val="2429966596"/>
       </p:ext>
     </p:extLst>
   </p:cSld>
@@ -816,7 +1125,7 @@
           <a:bodyPr/>
           <a:lstStyle/>
           <a:p>
-            <a:endParaRPr lang="en-US" dirty="0"/>
+            <a:endParaRPr lang="en-US"/>
           </a:p>
         </p:txBody>
       </p:sp>
@@ -839,14 +1148,14 @@
               <a:rPr lang="en-US" smtClean="0"/>
               <a:t>2</a:t>
             </a:fld>
-            <a:endParaRPr lang="en-US" dirty="0"/>
+            <a:endParaRPr lang="en-US"/>
           </a:p>
         </p:txBody>
       </p:sp>
     </p:spTree>
     <p:extLst>
       <p:ext uri="{BB962C8B-B14F-4D97-AF65-F5344CB8AC3E}">
-        <p14:creationId xmlns:p14="http://schemas.microsoft.com/office/powerpoint/2010/main" val="1698969355"/>
+        <p14:creationId xmlns:p14="http://schemas.microsoft.com/office/powerpoint/2010/main" val="631242069"/>
       </p:ext>
     </p:extLst>
   </p:cSld>
@@ -900,7 +1209,7 @@
           <a:bodyPr/>
           <a:lstStyle/>
           <a:p>
-            <a:endParaRPr lang="en-US" dirty="0"/>
+            <a:endParaRPr lang="en-US"/>
           </a:p>
         </p:txBody>
       </p:sp>
@@ -923,14 +1232,14 @@
               <a:rPr lang="en-US" smtClean="0"/>
               <a:t>3</a:t>
             </a:fld>
-            <a:endParaRPr lang="en-US" dirty="0"/>
+            <a:endParaRPr lang="en-US"/>
           </a:p>
         </p:txBody>
       </p:sp>
     </p:spTree>
     <p:extLst>
       <p:ext uri="{BB962C8B-B14F-4D97-AF65-F5344CB8AC3E}">
-        <p14:creationId xmlns:p14="http://schemas.microsoft.com/office/powerpoint/2010/main" val="631242069"/>
+        <p14:creationId xmlns:p14="http://schemas.microsoft.com/office/powerpoint/2010/main" val="1698969355"/>
       </p:ext>
     </p:extLst>
   </p:cSld>
@@ -984,7 +1293,7 @@
           <a:bodyPr/>
           <a:lstStyle/>
           <a:p>
-            <a:endParaRPr lang="en-US" dirty="0"/>
+            <a:endParaRPr lang="en-US"/>
           </a:p>
         </p:txBody>
       </p:sp>
@@ -1007,7 +1316,7 @@
               <a:rPr lang="en-US" smtClean="0"/>
               <a:t>4</a:t>
             </a:fld>
-            <a:endParaRPr lang="en-US" dirty="0"/>
+            <a:endParaRPr lang="en-US"/>
           </a:p>
         </p:txBody>
       </p:sp>
@@ -1068,7 +1377,7 @@
           <a:bodyPr/>
           <a:lstStyle/>
           <a:p>
-            <a:endParaRPr lang="en-US" dirty="0"/>
+            <a:endParaRPr lang="en-US"/>
           </a:p>
         </p:txBody>
       </p:sp>
@@ -1091,7 +1400,7 @@
               <a:rPr lang="en-US" smtClean="0"/>
               <a:t>5</a:t>
             </a:fld>
-            <a:endParaRPr lang="en-US" dirty="0"/>
+            <a:endParaRPr lang="en-US"/>
           </a:p>
         </p:txBody>
       </p:sp>
@@ -1152,7 +1461,7 @@
           <a:bodyPr/>
           <a:lstStyle/>
           <a:p>
-            <a:endParaRPr lang="en-US" dirty="0"/>
+            <a:endParaRPr lang="en-US"/>
           </a:p>
         </p:txBody>
       </p:sp>
@@ -1175,7 +1484,7 @@
               <a:rPr lang="en-US" smtClean="0"/>
               <a:t>6</a:t>
             </a:fld>
-            <a:endParaRPr lang="en-US" dirty="0"/>
+            <a:endParaRPr lang="en-US"/>
           </a:p>
         </p:txBody>
       </p:sp>
@@ -1236,7 +1545,7 @@
           <a:bodyPr/>
           <a:lstStyle/>
           <a:p>
-            <a:endParaRPr lang="en-US" dirty="0"/>
+            <a:endParaRPr lang="en-US"/>
           </a:p>
         </p:txBody>
       </p:sp>
@@ -1259,14 +1568,182 @@
               <a:rPr lang="en-US" smtClean="0"/>
               <a:t>7</a:t>
             </a:fld>
-            <a:endParaRPr lang="en-US" dirty="0"/>
+            <a:endParaRPr lang="en-US"/>
           </a:p>
         </p:txBody>
       </p:sp>
     </p:spTree>
     <p:extLst>
       <p:ext uri="{BB962C8B-B14F-4D97-AF65-F5344CB8AC3E}">
-        <p14:creationId xmlns:p14="http://schemas.microsoft.com/office/powerpoint/2010/main" val="2429966596"/>
+        <p14:creationId xmlns:p14="http://schemas.microsoft.com/office/powerpoint/2010/main" val="1916252376"/>
+      </p:ext>
+    </p:extLst>
+  </p:cSld>
+  <p:clrMapOvr>
+    <a:masterClrMapping/>
+  </p:clrMapOvr>
+</p:notes>
+</file>
+
+<file path=ppt/notesSlides/notesSlide8.xml><?xml version="1.0" encoding="utf-8"?>
+<p:notes xmlns:a="http://schemas.openxmlformats.org/drawingml/2006/main" xmlns:r="http://schemas.openxmlformats.org/officeDocument/2006/relationships" xmlns:p="http://schemas.openxmlformats.org/presentationml/2006/main">
+  <p:cSld>
+    <p:spTree>
+      <p:nvGrpSpPr>
+        <p:cNvPr id="1" name=""/>
+        <p:cNvGrpSpPr/>
+        <p:nvPr/>
+      </p:nvGrpSpPr>
+      <p:grpSpPr>
+        <a:xfrm>
+          <a:off x="0" y="0"/>
+          <a:ext cx="0" cy="0"/>
+          <a:chOff x="0" y="0"/>
+          <a:chExt cx="0" cy="0"/>
+        </a:xfrm>
+      </p:grpSpPr>
+      <p:sp>
+        <p:nvSpPr>
+          <p:cNvPr id="2" name="Slide Image Placeholder 1"/>
+          <p:cNvSpPr>
+            <a:spLocks noGrp="1" noRot="1" noChangeAspect="1"/>
+          </p:cNvSpPr>
+          <p:nvPr>
+            <p:ph type="sldImg"/>
+          </p:nvPr>
+        </p:nvSpPr>
+        <p:spPr/>
+      </p:sp>
+      <p:sp>
+        <p:nvSpPr>
+          <p:cNvPr id="3" name="Notes Placeholder 2"/>
+          <p:cNvSpPr>
+            <a:spLocks noGrp="1"/>
+          </p:cNvSpPr>
+          <p:nvPr>
+            <p:ph type="body" idx="1"/>
+          </p:nvPr>
+        </p:nvSpPr>
+        <p:spPr/>
+        <p:txBody>
+          <a:bodyPr/>
+          <a:lstStyle/>
+          <a:p>
+            <a:endParaRPr lang="en-US"/>
+          </a:p>
+        </p:txBody>
+      </p:sp>
+      <p:sp>
+        <p:nvSpPr>
+          <p:cNvPr id="4" name="Slide Number Placeholder 3"/>
+          <p:cNvSpPr>
+            <a:spLocks noGrp="1"/>
+          </p:cNvSpPr>
+          <p:nvPr>
+            <p:ph type="sldNum" sz="quarter" idx="5"/>
+          </p:nvPr>
+        </p:nvSpPr>
+        <p:spPr/>
+        <p:txBody>
+          <a:bodyPr/>
+          <a:lstStyle/>
+          <a:p>
+            <a:fld id="{D4B9A9E5-4F7F-4A7D-9DE1-899232329269}" type="slidenum">
+              <a:rPr lang="en-US" smtClean="0"/>
+              <a:t>8</a:t>
+            </a:fld>
+            <a:endParaRPr lang="en-US"/>
+          </a:p>
+        </p:txBody>
+      </p:sp>
+    </p:spTree>
+    <p:extLst>
+      <p:ext uri="{BB962C8B-B14F-4D97-AF65-F5344CB8AC3E}">
+        <p14:creationId xmlns:p14="http://schemas.microsoft.com/office/powerpoint/2010/main" val="2867963638"/>
+      </p:ext>
+    </p:extLst>
+  </p:cSld>
+  <p:clrMapOvr>
+    <a:masterClrMapping/>
+  </p:clrMapOvr>
+</p:notes>
+</file>
+
+<file path=ppt/notesSlides/notesSlide9.xml><?xml version="1.0" encoding="utf-8"?>
+<p:notes xmlns:a="http://schemas.openxmlformats.org/drawingml/2006/main" xmlns:r="http://schemas.openxmlformats.org/officeDocument/2006/relationships" xmlns:p="http://schemas.openxmlformats.org/presentationml/2006/main">
+  <p:cSld>
+    <p:spTree>
+      <p:nvGrpSpPr>
+        <p:cNvPr id="1" name=""/>
+        <p:cNvGrpSpPr/>
+        <p:nvPr/>
+      </p:nvGrpSpPr>
+      <p:grpSpPr>
+        <a:xfrm>
+          <a:off x="0" y="0"/>
+          <a:ext cx="0" cy="0"/>
+          <a:chOff x="0" y="0"/>
+          <a:chExt cx="0" cy="0"/>
+        </a:xfrm>
+      </p:grpSpPr>
+      <p:sp>
+        <p:nvSpPr>
+          <p:cNvPr id="2" name="Slide Image Placeholder 1"/>
+          <p:cNvSpPr>
+            <a:spLocks noGrp="1" noRot="1" noChangeAspect="1"/>
+          </p:cNvSpPr>
+          <p:nvPr>
+            <p:ph type="sldImg"/>
+          </p:nvPr>
+        </p:nvSpPr>
+        <p:spPr/>
+      </p:sp>
+      <p:sp>
+        <p:nvSpPr>
+          <p:cNvPr id="3" name="Notes Placeholder 2"/>
+          <p:cNvSpPr>
+            <a:spLocks noGrp="1"/>
+          </p:cNvSpPr>
+          <p:nvPr>
+            <p:ph type="body" idx="1"/>
+          </p:nvPr>
+        </p:nvSpPr>
+        <p:spPr/>
+        <p:txBody>
+          <a:bodyPr/>
+          <a:lstStyle/>
+          <a:p>
+            <a:endParaRPr lang="en-US"/>
+          </a:p>
+        </p:txBody>
+      </p:sp>
+      <p:sp>
+        <p:nvSpPr>
+          <p:cNvPr id="4" name="Slide Number Placeholder 3"/>
+          <p:cNvSpPr>
+            <a:spLocks noGrp="1"/>
+          </p:cNvSpPr>
+          <p:nvPr>
+            <p:ph type="sldNum" sz="quarter" idx="5"/>
+          </p:nvPr>
+        </p:nvSpPr>
+        <p:spPr/>
+        <p:txBody>
+          <a:bodyPr/>
+          <a:lstStyle/>
+          <a:p>
+            <a:fld id="{D4B9A9E5-4F7F-4A7D-9DE1-899232329269}" type="slidenum">
+              <a:rPr lang="en-US" smtClean="0"/>
+              <a:t>9</a:t>
+            </a:fld>
+            <a:endParaRPr lang="en-US"/>
+          </a:p>
+        </p:txBody>
+      </p:sp>
+    </p:spTree>
+    <p:extLst>
+      <p:ext uri="{BB962C8B-B14F-4D97-AF65-F5344CB8AC3E}">
+        <p14:creationId xmlns:p14="http://schemas.microsoft.com/office/powerpoint/2010/main" val="2887423927"/>
       </p:ext>
     </p:extLst>
   </p:cSld>
@@ -1338,7 +1815,7 @@
           </a:lstStyle>
           <a:p>
             <a:r>
-              <a:rPr lang="en-US" dirty="0"/>
+              <a:rPr lang="en-US"/>
               <a:t>Click to add title</a:t>
             </a:r>
           </a:p>
@@ -1501,7 +1978,7 @@
           <a:lstStyle/>
           <a:p>
             <a:pPr algn="ctr"/>
-            <a:endParaRPr lang="en-US" dirty="0"/>
+            <a:endParaRPr lang="en-US"/>
           </a:p>
         </p:txBody>
       </p:sp>
@@ -1576,7 +2053,7 @@
           </a:lstStyle>
           <a:p>
             <a:r>
-              <a:rPr lang="en-US" dirty="0"/>
+              <a:rPr lang="en-US"/>
               <a:t>Click to add title</a:t>
             </a:r>
           </a:p>
@@ -1658,35 +2135,35 @@
           <a:p>
             <a:pPr lvl="0"/>
             <a:r>
-              <a:rPr lang="en-US" dirty="0"/>
+              <a:rPr lang="en-US"/>
               <a:t>Click to add text</a:t>
             </a:r>
           </a:p>
           <a:p>
             <a:pPr lvl="1"/>
             <a:r>
-              <a:rPr lang="en-US" dirty="0"/>
+              <a:rPr lang="en-US"/>
               <a:t>Second level</a:t>
             </a:r>
           </a:p>
           <a:p>
             <a:pPr lvl="2"/>
             <a:r>
-              <a:rPr lang="en-US" dirty="0"/>
+              <a:rPr lang="en-US"/>
               <a:t>Third level</a:t>
             </a:r>
           </a:p>
           <a:p>
             <a:pPr lvl="3"/>
             <a:r>
-              <a:rPr lang="en-US" dirty="0"/>
+              <a:rPr lang="en-US"/>
               <a:t>Fourth level</a:t>
             </a:r>
           </a:p>
           <a:p>
             <a:pPr lvl="4"/>
             <a:r>
-              <a:rPr lang="en-US" dirty="0"/>
+              <a:rPr lang="en-US"/>
               <a:t>Fifth level</a:t>
             </a:r>
           </a:p>
@@ -1725,7 +2202,7 @@
           </a:lstStyle>
           <a:p>
             <a:r>
-              <a:rPr lang="en-US" dirty="0"/>
+              <a:rPr lang="en-US"/>
               <a:t>Click icon to insert table</a:t>
             </a:r>
           </a:p>
@@ -1773,7 +2250,7 @@
               <a:pPr/>
               <a:t>‹#›</a:t>
             </a:fld>
-            <a:endParaRPr lang="en-US" dirty="0"/>
+            <a:endParaRPr lang="en-US"/>
           </a:p>
         </p:txBody>
       </p:sp>
@@ -1924,7 +2401,7 @@
           </a:lstStyle>
           <a:p>
             <a:r>
-              <a:rPr lang="en-US" dirty="0"/>
+              <a:rPr lang="en-US"/>
               <a:t>Click to add title</a:t>
             </a:r>
           </a:p>
@@ -2007,35 +2484,35 @@
           <a:p>
             <a:pPr lvl="0"/>
             <a:r>
-              <a:rPr lang="en-US" dirty="0"/>
+              <a:rPr lang="en-US"/>
               <a:t>Click to add text</a:t>
             </a:r>
           </a:p>
           <a:p>
             <a:pPr lvl="1"/>
             <a:r>
-              <a:rPr lang="en-US" dirty="0"/>
+              <a:rPr lang="en-US"/>
               <a:t>Second level</a:t>
             </a:r>
           </a:p>
           <a:p>
             <a:pPr lvl="2"/>
             <a:r>
-              <a:rPr lang="en-US" dirty="0"/>
+              <a:rPr lang="en-US"/>
               <a:t>Third level</a:t>
             </a:r>
           </a:p>
           <a:p>
             <a:pPr lvl="3"/>
             <a:r>
-              <a:rPr lang="en-US" dirty="0"/>
+              <a:rPr lang="en-US"/>
               <a:t>Fourth level</a:t>
             </a:r>
           </a:p>
           <a:p>
             <a:pPr lvl="4"/>
             <a:r>
-              <a:rPr lang="en-US" dirty="0"/>
+              <a:rPr lang="en-US"/>
               <a:t>Fifth level</a:t>
             </a:r>
           </a:p>
@@ -2117,35 +2594,35 @@
           <a:p>
             <a:pPr lvl="0"/>
             <a:r>
-              <a:rPr lang="en-US" dirty="0"/>
+              <a:rPr lang="en-US"/>
               <a:t>Click to add text</a:t>
             </a:r>
           </a:p>
           <a:p>
             <a:pPr lvl="1"/>
             <a:r>
-              <a:rPr lang="en-US" dirty="0"/>
+              <a:rPr lang="en-US"/>
               <a:t>Second level</a:t>
             </a:r>
           </a:p>
           <a:p>
             <a:pPr lvl="2"/>
             <a:r>
-              <a:rPr lang="en-US" dirty="0"/>
+              <a:rPr lang="en-US"/>
               <a:t>Third level</a:t>
             </a:r>
           </a:p>
           <a:p>
             <a:pPr lvl="3"/>
             <a:r>
-              <a:rPr lang="en-US" dirty="0"/>
+              <a:rPr lang="en-US"/>
               <a:t>Fourth level</a:t>
             </a:r>
           </a:p>
           <a:p>
             <a:pPr lvl="4"/>
             <a:r>
-              <a:rPr lang="en-US" dirty="0"/>
+              <a:rPr lang="en-US"/>
               <a:t>Fifth level</a:t>
             </a:r>
           </a:p>
@@ -2193,7 +2670,7 @@
               <a:pPr/>
               <a:t>‹#›</a:t>
             </a:fld>
-            <a:endParaRPr lang="en-US" dirty="0"/>
+            <a:endParaRPr lang="en-US"/>
           </a:p>
         </p:txBody>
       </p:sp>
@@ -2298,7 +2775,7 @@
           </a:lstStyle>
           <a:p>
             <a:r>
-              <a:rPr lang="en-US" dirty="0"/>
+              <a:rPr lang="en-US"/>
               <a:t>Click to add title</a:t>
             </a:r>
           </a:p>
@@ -2340,7 +2817,6 @@
               <a:rPr lang="en-US"/>
               <a:t>Click icon to add table</a:t>
             </a:r>
-            <a:endParaRPr lang="en-US" dirty="0"/>
           </a:p>
         </p:txBody>
       </p:sp>
@@ -2386,7 +2862,7 @@
               <a:pPr/>
               <a:t>‹#›</a:t>
             </a:fld>
-            <a:endParaRPr lang="en-US" dirty="0"/>
+            <a:endParaRPr lang="en-US"/>
           </a:p>
         </p:txBody>
       </p:sp>
@@ -2465,7 +2941,7 @@
           </a:lstStyle>
           <a:p>
             <a:r>
-              <a:rPr lang="en-US" dirty="0"/>
+              <a:rPr lang="en-US"/>
               <a:t>Click to add title</a:t>
             </a:r>
           </a:p>
@@ -2591,35 +3067,35 @@
           <a:p>
             <a:pPr lvl="0"/>
             <a:r>
-              <a:rPr lang="en-US" dirty="0"/>
+              <a:rPr lang="en-US"/>
               <a:t>Click to add content</a:t>
             </a:r>
           </a:p>
           <a:p>
             <a:pPr lvl="1"/>
             <a:r>
-              <a:rPr lang="en-US" dirty="0"/>
+              <a:rPr lang="en-US"/>
               <a:t>Second level</a:t>
             </a:r>
           </a:p>
           <a:p>
             <a:pPr lvl="2"/>
             <a:r>
-              <a:rPr lang="en-US" dirty="0"/>
+              <a:rPr lang="en-US"/>
               <a:t>Third level</a:t>
             </a:r>
           </a:p>
           <a:p>
             <a:pPr lvl="3"/>
             <a:r>
-              <a:rPr lang="en-US" dirty="0"/>
+              <a:rPr lang="en-US"/>
               <a:t>Fourth level</a:t>
             </a:r>
           </a:p>
           <a:p>
             <a:pPr lvl="4"/>
             <a:r>
-              <a:rPr lang="en-US" dirty="0"/>
+              <a:rPr lang="en-US"/>
               <a:t>Fifth level</a:t>
             </a:r>
           </a:p>
@@ -2845,7 +3321,7 @@
           </a:lstStyle>
           <a:p>
             <a:r>
-              <a:rPr lang="en-US" dirty="0"/>
+              <a:rPr lang="en-US"/>
               <a:t>Click to add title</a:t>
             </a:r>
           </a:p>
@@ -2913,35 +3389,35 @@
           <a:p>
             <a:pPr lvl="0"/>
             <a:r>
-              <a:rPr lang="en-US" dirty="0"/>
+              <a:rPr lang="en-US"/>
               <a:t>Click to add text</a:t>
             </a:r>
           </a:p>
           <a:p>
             <a:pPr lvl="1"/>
             <a:r>
-              <a:rPr lang="en-US" dirty="0"/>
+              <a:rPr lang="en-US"/>
               <a:t>Second level</a:t>
             </a:r>
           </a:p>
           <a:p>
             <a:pPr lvl="2"/>
             <a:r>
-              <a:rPr lang="en-US" dirty="0"/>
+              <a:rPr lang="en-US"/>
               <a:t>Third level</a:t>
             </a:r>
           </a:p>
           <a:p>
             <a:pPr lvl="3"/>
             <a:r>
-              <a:rPr lang="en-US" dirty="0"/>
+              <a:rPr lang="en-US"/>
               <a:t>Fourth level</a:t>
             </a:r>
           </a:p>
           <a:p>
             <a:pPr lvl="4"/>
             <a:r>
-              <a:rPr lang="en-US" dirty="0"/>
+              <a:rPr lang="en-US"/>
               <a:t>Fifth level</a:t>
             </a:r>
           </a:p>
@@ -2989,7 +3465,7 @@
               <a:pPr/>
               <a:t>‹#›</a:t>
             </a:fld>
-            <a:endParaRPr lang="en-US" dirty="0"/>
+            <a:endParaRPr lang="en-US"/>
           </a:p>
         </p:txBody>
       </p:sp>
@@ -3106,7 +3582,7 @@
           </a:lstStyle>
           <a:p>
             <a:r>
-              <a:rPr lang="en-US" dirty="0"/>
+              <a:rPr lang="en-US"/>
               <a:t>Click to add title</a:t>
             </a:r>
           </a:p>
@@ -3214,7 +3690,7 @@
           </a:lstStyle>
           <a:p>
             <a:r>
-              <a:rPr lang="en-US" dirty="0"/>
+              <a:rPr lang="en-US"/>
               <a:t>Click icon to insert picture</a:t>
             </a:r>
           </a:p>
@@ -3329,7 +3805,7 @@
           </a:lstStyle>
           <a:p>
             <a:r>
-              <a:rPr lang="en-US" dirty="0"/>
+              <a:rPr lang="en-US"/>
               <a:t>Click to add title</a:t>
             </a:r>
           </a:p>
@@ -3436,7 +3912,6 @@
               <a:rPr lang="en-US"/>
               <a:t>Click icon to add picture</a:t>
             </a:r>
-            <a:endParaRPr lang="en-US" dirty="0"/>
           </a:p>
         </p:txBody>
       </p:sp>
@@ -3492,35 +3967,35 @@
           <a:p>
             <a:pPr lvl="0"/>
             <a:r>
-              <a:rPr lang="en-US" dirty="0"/>
+              <a:rPr lang="en-US"/>
               <a:t>Click to add text</a:t>
             </a:r>
           </a:p>
           <a:p>
             <a:pPr lvl="1"/>
             <a:r>
-              <a:rPr lang="en-US" dirty="0"/>
+              <a:rPr lang="en-US"/>
               <a:t>Second level</a:t>
             </a:r>
           </a:p>
           <a:p>
             <a:pPr lvl="2"/>
             <a:r>
-              <a:rPr lang="en-US" dirty="0"/>
+              <a:rPr lang="en-US"/>
               <a:t>Third level</a:t>
             </a:r>
           </a:p>
           <a:p>
             <a:pPr lvl="3"/>
             <a:r>
-              <a:rPr lang="en-US" dirty="0"/>
+              <a:rPr lang="en-US"/>
               <a:t>Fourth level</a:t>
             </a:r>
           </a:p>
           <a:p>
             <a:pPr lvl="4"/>
             <a:r>
-              <a:rPr lang="en-US" dirty="0"/>
+              <a:rPr lang="en-US"/>
               <a:t>Fifth level</a:t>
             </a:r>
           </a:p>
@@ -3708,7 +4183,7 @@
           </a:lstStyle>
           <a:p>
             <a:r>
-              <a:rPr lang="en-US" dirty="0"/>
+              <a:rPr lang="en-US"/>
               <a:t>Click to add title</a:t>
             </a:r>
           </a:p>
@@ -3790,35 +4265,35 @@
           <a:p>
             <a:pPr lvl="0"/>
             <a:r>
-              <a:rPr lang="en-US" dirty="0"/>
+              <a:rPr lang="en-US"/>
               <a:t>Click to add text</a:t>
             </a:r>
           </a:p>
           <a:p>
             <a:pPr lvl="1"/>
             <a:r>
-              <a:rPr lang="en-US" dirty="0"/>
+              <a:rPr lang="en-US"/>
               <a:t>Second level</a:t>
             </a:r>
           </a:p>
           <a:p>
             <a:pPr lvl="2"/>
             <a:r>
-              <a:rPr lang="en-US" dirty="0"/>
+              <a:rPr lang="en-US"/>
               <a:t>Third level</a:t>
             </a:r>
           </a:p>
           <a:p>
             <a:pPr lvl="3"/>
             <a:r>
-              <a:rPr lang="en-US" dirty="0"/>
+              <a:rPr lang="en-US"/>
               <a:t>Fourth level</a:t>
             </a:r>
           </a:p>
           <a:p>
             <a:pPr lvl="4"/>
             <a:r>
-              <a:rPr lang="en-US" dirty="0"/>
+              <a:rPr lang="en-US"/>
               <a:t>Fifth level</a:t>
             </a:r>
           </a:p>
@@ -3866,7 +4341,7 @@
               <a:pPr/>
               <a:t>‹#›</a:t>
             </a:fld>
-            <a:endParaRPr lang="en-US" dirty="0"/>
+            <a:endParaRPr lang="en-US"/>
           </a:p>
         </p:txBody>
       </p:sp>
@@ -3987,7 +4462,6 @@
               <a:rPr lang="en-US"/>
               <a:t>Click to edit Master title style</a:t>
             </a:r>
-            <a:endParaRPr lang="en-US" dirty="0"/>
           </a:p>
         </p:txBody>
       </p:sp>
@@ -4150,7 +4624,6 @@
               <a:rPr lang="en-US"/>
               <a:t>Click icon to add picture</a:t>
             </a:r>
-            <a:endParaRPr lang="en-US" dirty="0"/>
           </a:p>
         </p:txBody>
       </p:sp>
@@ -4259,35 +4732,35 @@
           <a:p>
             <a:pPr lvl="0"/>
             <a:r>
-              <a:rPr lang="en-US" dirty="0"/>
+              <a:rPr lang="en-US"/>
               <a:t>Click to add text</a:t>
             </a:r>
           </a:p>
           <a:p>
             <a:pPr lvl="1"/>
             <a:r>
-              <a:rPr lang="en-US" dirty="0"/>
+              <a:rPr lang="en-US"/>
               <a:t>Second level</a:t>
             </a:r>
           </a:p>
           <a:p>
             <a:pPr lvl="2"/>
             <a:r>
-              <a:rPr lang="en-US" dirty="0"/>
+              <a:rPr lang="en-US"/>
               <a:t>Third level</a:t>
             </a:r>
           </a:p>
           <a:p>
             <a:pPr lvl="3"/>
             <a:r>
-              <a:rPr lang="en-US" dirty="0"/>
+              <a:rPr lang="en-US"/>
               <a:t>Fourth level</a:t>
             </a:r>
           </a:p>
           <a:p>
             <a:pPr lvl="4"/>
             <a:r>
-              <a:rPr lang="en-US" dirty="0"/>
+              <a:rPr lang="en-US"/>
               <a:t>Fifth level</a:t>
             </a:r>
           </a:p>
@@ -4440,7 +4913,7 @@
           </a:lstStyle>
           <a:p>
             <a:r>
-              <a:rPr lang="en-US" dirty="0"/>
+              <a:rPr lang="en-US"/>
               <a:t>Click to add title</a:t>
             </a:r>
           </a:p>
@@ -4522,35 +4995,35 @@
           <a:p>
             <a:pPr lvl="0"/>
             <a:r>
-              <a:rPr lang="en-US" dirty="0"/>
+              <a:rPr lang="en-US"/>
               <a:t>Click to add text</a:t>
             </a:r>
           </a:p>
           <a:p>
             <a:pPr lvl="1"/>
             <a:r>
-              <a:rPr lang="en-US" dirty="0"/>
+              <a:rPr lang="en-US"/>
               <a:t>Second level</a:t>
             </a:r>
           </a:p>
           <a:p>
             <a:pPr lvl="2"/>
             <a:r>
-              <a:rPr lang="en-US" dirty="0"/>
+              <a:rPr lang="en-US"/>
               <a:t>Third level</a:t>
             </a:r>
           </a:p>
           <a:p>
             <a:pPr lvl="3"/>
             <a:r>
-              <a:rPr lang="en-US" dirty="0"/>
+              <a:rPr lang="en-US"/>
               <a:t>Fourth level</a:t>
             </a:r>
           </a:p>
           <a:p>
             <a:pPr lvl="4"/>
             <a:r>
-              <a:rPr lang="en-US" dirty="0"/>
+              <a:rPr lang="en-US"/>
               <a:t>Fifth level</a:t>
             </a:r>
           </a:p>
@@ -4632,35 +5105,35 @@
           <a:p>
             <a:pPr lvl="0"/>
             <a:r>
-              <a:rPr lang="en-US" dirty="0"/>
+              <a:rPr lang="en-US"/>
               <a:t>Click to add text</a:t>
             </a:r>
           </a:p>
           <a:p>
             <a:pPr lvl="1"/>
             <a:r>
-              <a:rPr lang="en-US" dirty="0"/>
+              <a:rPr lang="en-US"/>
               <a:t>Second level</a:t>
             </a:r>
           </a:p>
           <a:p>
             <a:pPr lvl="2"/>
             <a:r>
-              <a:rPr lang="en-US" dirty="0"/>
+              <a:rPr lang="en-US"/>
               <a:t>Third level</a:t>
             </a:r>
           </a:p>
           <a:p>
             <a:pPr lvl="3"/>
             <a:r>
-              <a:rPr lang="en-US" dirty="0"/>
+              <a:rPr lang="en-US"/>
               <a:t>Fourth level</a:t>
             </a:r>
           </a:p>
           <a:p>
             <a:pPr lvl="4"/>
             <a:r>
-              <a:rPr lang="en-US" dirty="0"/>
+              <a:rPr lang="en-US"/>
               <a:t>Fifth level</a:t>
             </a:r>
           </a:p>
@@ -4708,7 +5181,7 @@
               <a:pPr/>
               <a:t>‹#›</a:t>
             </a:fld>
-            <a:endParaRPr lang="en-US" dirty="0"/>
+            <a:endParaRPr lang="en-US"/>
           </a:p>
         </p:txBody>
       </p:sp>
@@ -4851,7 +5324,7 @@
           </a:lstStyle>
           <a:p>
             <a:r>
-              <a:rPr lang="en-US" dirty="0"/>
+              <a:rPr lang="en-US"/>
               <a:t>Click to add title</a:t>
             </a:r>
           </a:p>
@@ -4933,35 +5406,35 @@
           <a:p>
             <a:pPr lvl="0"/>
             <a:r>
-              <a:rPr lang="en-US" dirty="0"/>
+              <a:rPr lang="en-US"/>
               <a:t>Click to add text</a:t>
             </a:r>
           </a:p>
           <a:p>
             <a:pPr lvl="1"/>
             <a:r>
-              <a:rPr lang="en-US" dirty="0"/>
+              <a:rPr lang="en-US"/>
               <a:t>Second level</a:t>
             </a:r>
           </a:p>
           <a:p>
             <a:pPr lvl="2"/>
             <a:r>
-              <a:rPr lang="en-US" dirty="0"/>
+              <a:rPr lang="en-US"/>
               <a:t>Third level</a:t>
             </a:r>
           </a:p>
           <a:p>
             <a:pPr lvl="3"/>
             <a:r>
-              <a:rPr lang="en-US" dirty="0"/>
+              <a:rPr lang="en-US"/>
               <a:t>Fourth level</a:t>
             </a:r>
           </a:p>
           <a:p>
             <a:pPr lvl="4"/>
             <a:r>
-              <a:rPr lang="en-US" dirty="0"/>
+              <a:rPr lang="en-US"/>
               <a:t>Fifth level</a:t>
             </a:r>
           </a:p>
@@ -5043,35 +5516,35 @@
           <a:p>
             <a:pPr lvl="0"/>
             <a:r>
-              <a:rPr lang="en-US" dirty="0"/>
+              <a:rPr lang="en-US"/>
               <a:t>Click to add text</a:t>
             </a:r>
           </a:p>
           <a:p>
             <a:pPr lvl="1"/>
             <a:r>
-              <a:rPr lang="en-US" dirty="0"/>
+              <a:rPr lang="en-US"/>
               <a:t>Second level</a:t>
             </a:r>
           </a:p>
           <a:p>
             <a:pPr lvl="2"/>
             <a:r>
-              <a:rPr lang="en-US" dirty="0"/>
+              <a:rPr lang="en-US"/>
               <a:t>Third level</a:t>
             </a:r>
           </a:p>
           <a:p>
             <a:pPr lvl="3"/>
             <a:r>
-              <a:rPr lang="en-US" dirty="0"/>
+              <a:rPr lang="en-US"/>
               <a:t>Fourth level</a:t>
             </a:r>
           </a:p>
           <a:p>
             <a:pPr lvl="4"/>
             <a:r>
-              <a:rPr lang="en-US" dirty="0"/>
+              <a:rPr lang="en-US"/>
               <a:t>Fifth level</a:t>
             </a:r>
           </a:p>
@@ -5119,7 +5592,7 @@
               <a:pPr/>
               <a:t>‹#›</a:t>
             </a:fld>
-            <a:endParaRPr lang="en-US" dirty="0"/>
+            <a:endParaRPr lang="en-US"/>
           </a:p>
         </p:txBody>
       </p:sp>
@@ -5232,7 +5705,7 @@
           </a:lstStyle>
           <a:p>
             <a:r>
-              <a:rPr lang="en-US" dirty="0"/>
+              <a:rPr lang="en-US"/>
               <a:t>Click to add title</a:t>
             </a:r>
           </a:p>
@@ -5314,35 +5787,35 @@
           <a:p>
             <a:pPr lvl="0"/>
             <a:r>
-              <a:rPr lang="en-US" dirty="0"/>
+              <a:rPr lang="en-US"/>
               <a:t>Click to add text</a:t>
             </a:r>
           </a:p>
           <a:p>
             <a:pPr lvl="1"/>
             <a:r>
-              <a:rPr lang="en-US" dirty="0"/>
+              <a:rPr lang="en-US"/>
               <a:t>Second level</a:t>
             </a:r>
           </a:p>
           <a:p>
             <a:pPr lvl="2"/>
             <a:r>
-              <a:rPr lang="en-US" dirty="0"/>
+              <a:rPr lang="en-US"/>
               <a:t>Third level</a:t>
             </a:r>
           </a:p>
           <a:p>
             <a:pPr lvl="3"/>
             <a:r>
-              <a:rPr lang="en-US" dirty="0"/>
+              <a:rPr lang="en-US"/>
               <a:t>Fourth level</a:t>
             </a:r>
           </a:p>
           <a:p>
             <a:pPr lvl="4"/>
             <a:r>
-              <a:rPr lang="en-US" dirty="0"/>
+              <a:rPr lang="en-US"/>
               <a:t>Fifth level</a:t>
             </a:r>
           </a:p>
@@ -5390,7 +5863,7 @@
               <a:pPr/>
               <a:t>‹#›</a:t>
             </a:fld>
-            <a:endParaRPr lang="en-US" dirty="0"/>
+            <a:endParaRPr lang="en-US"/>
           </a:p>
         </p:txBody>
       </p:sp>
@@ -5525,7 +5998,6 @@
               <a:rPr lang="en-US"/>
               <a:t>Click icon to add picture</a:t>
             </a:r>
-            <a:endParaRPr lang="en-US" dirty="0"/>
           </a:p>
         </p:txBody>
       </p:sp>
@@ -5711,7 +6183,7 @@
             </a:lvl1pPr>
           </a:lstStyle>
           <a:p>
-            <a:endParaRPr lang="en-US" dirty="0"/>
+            <a:endParaRPr lang="en-US"/>
           </a:p>
         </p:txBody>
       </p:sp>
@@ -5755,7 +6227,7 @@
           </a:lstStyle>
           <a:p>
             <a:r>
-              <a:rPr lang="en-US" dirty="0"/>
+              <a:rPr lang="en-US"/>
               <a:t>Pitch Deck</a:t>
             </a:r>
           </a:p>
@@ -5805,7 +6277,7 @@
               <a:pPr/>
               <a:t>‹#›</a:t>
             </a:fld>
-            <a:endParaRPr lang="en-US" dirty="0"/>
+            <a:endParaRPr lang="en-US"/>
           </a:p>
         </p:txBody>
       </p:sp>
@@ -6161,10 +6633,19 @@
           </a:bodyPr>
           <a:lstStyle/>
           <a:p>
-            <a:r>
-              <a:rPr lang="en-US" dirty="0"/>
+            <a:pPr algn="ctr"/>
+            <a:r>
+              <a:rPr lang="en-US"/>
               <a:t>Azul Connect</a:t>
             </a:r>
+            <a:br>
+              <a:rPr lang="en-US"/>
+            </a:br>
+            <a:r>
+              <a:rPr lang="vi-VN"/>
+              <a:t>E̵̬̎r̴̞͘r̴̢̕o̸̠͐r̴͋͜ ̷̦̓4̸̘̓0̶̭̐4̷͕͂</a:t>
+            </a:r>
+            <a:endParaRPr lang="en-US"/>
           </a:p>
         </p:txBody>
       </p:sp>
@@ -6203,6 +6684,296 @@
     <p:extLst>
       <p:ext uri="{BB962C8B-B14F-4D97-AF65-F5344CB8AC3E}">
         <p14:creationId xmlns:p14="http://schemas.microsoft.com/office/powerpoint/2010/main" val="2945390068"/>
+      </p:ext>
+    </p:extLst>
+  </p:cSld>
+  <p:clrMapOvr>
+    <a:masterClrMapping/>
+  </p:clrMapOvr>
+</p:sld>
+</file>
+
+<file path=ppt/slides/slide10.xml><?xml version="1.0" encoding="utf-8"?>
+<p:sld xmlns:a="http://schemas.openxmlformats.org/drawingml/2006/main" xmlns:r="http://schemas.openxmlformats.org/officeDocument/2006/relationships" xmlns:p="http://schemas.openxmlformats.org/presentationml/2006/main">
+  <p:cSld>
+    <p:spTree>
+      <p:nvGrpSpPr>
+        <p:cNvPr id="1" name=""/>
+        <p:cNvGrpSpPr/>
+        <p:nvPr/>
+      </p:nvGrpSpPr>
+      <p:grpSpPr>
+        <a:xfrm>
+          <a:off x="0" y="0"/>
+          <a:ext cx="0" cy="0"/>
+          <a:chOff x="0" y="0"/>
+          <a:chExt cx="0" cy="0"/>
+        </a:xfrm>
+      </p:grpSpPr>
+      <p:sp>
+        <p:nvSpPr>
+          <p:cNvPr id="2" name="Title 1">
+            <a:extLst>
+              <a:ext uri="{FF2B5EF4-FFF2-40B4-BE49-F238E27FC236}">
+                <a16:creationId xmlns:a16="http://schemas.microsoft.com/office/drawing/2014/main" id="{AC1D59AB-A318-2481-767E-DEC56875E7BB}"/>
+              </a:ext>
+            </a:extLst>
+          </p:cNvPr>
+          <p:cNvSpPr>
+            <a:spLocks noGrp="1"/>
+          </p:cNvSpPr>
+          <p:nvPr>
+            <p:ph type="title"/>
+          </p:nvPr>
+        </p:nvSpPr>
+        <p:spPr>
+          <a:xfrm>
+            <a:off x="914400" y="315533"/>
+            <a:ext cx="5181600" cy="2256776"/>
+          </a:xfrm>
+        </p:spPr>
+        <p:txBody>
+          <a:bodyPr anchor="ctr"/>
+          <a:lstStyle/>
+          <a:p>
+            <a:r>
+              <a:rPr lang="en-US"/>
+              <a:t>Design Consideration</a:t>
+            </a:r>
+          </a:p>
+        </p:txBody>
+      </p:sp>
+      <p:sp>
+        <p:nvSpPr>
+          <p:cNvPr id="3" name="Content Placeholder 2">
+            <a:extLst>
+              <a:ext uri="{FF2B5EF4-FFF2-40B4-BE49-F238E27FC236}">
+                <a16:creationId xmlns:a16="http://schemas.microsoft.com/office/drawing/2014/main" id="{5E1E382A-3CB0-BDEF-143E-8B1CC91B41B4}"/>
+              </a:ext>
+            </a:extLst>
+          </p:cNvPr>
+          <p:cNvSpPr>
+            <a:spLocks noGrp="1"/>
+          </p:cNvSpPr>
+          <p:nvPr>
+            <p:ph sz="quarter" idx="10"/>
+          </p:nvPr>
+        </p:nvSpPr>
+        <p:spPr/>
+        <p:txBody>
+          <a:bodyPr/>
+          <a:lstStyle/>
+          <a:p>
+            <a:pPr marL="342900" indent="-342900">
+              <a:buFont typeface="Arial" panose="020B0604020202020204" pitchFamily="34" charset="0"/>
+              <a:buChar char="•"/>
+            </a:pPr>
+            <a:r>
+              <a:rPr lang="en-US"/>
+              <a:t>Extension built with HTML/CSS, with the option to extend functionality with JavaScript</a:t>
+            </a:r>
+          </a:p>
+          <a:p>
+            <a:pPr marL="342900" indent="-342900">
+              <a:buFont typeface="Arial" panose="020B0604020202020204" pitchFamily="34" charset="0"/>
+              <a:buChar char="•"/>
+            </a:pPr>
+            <a:r>
+              <a:rPr lang="en-US"/>
+              <a:t>Viewing project information in a simple way allows users to sort through them faster</a:t>
+            </a:r>
+          </a:p>
+          <a:p>
+            <a:pPr marL="342900" indent="-342900">
+              <a:buFont typeface="Arial" panose="020B0604020202020204" pitchFamily="34" charset="0"/>
+              <a:buChar char="•"/>
+            </a:pPr>
+            <a:r>
+              <a:rPr lang="en-US"/>
+              <a:t>Simplistic design = easy to modify  </a:t>
+            </a:r>
+          </a:p>
+        </p:txBody>
+      </p:sp>
+      <p:sp>
+        <p:nvSpPr>
+          <p:cNvPr id="4" name="Slide Number Placeholder 3">
+            <a:extLst>
+              <a:ext uri="{FF2B5EF4-FFF2-40B4-BE49-F238E27FC236}">
+                <a16:creationId xmlns:a16="http://schemas.microsoft.com/office/drawing/2014/main" id="{75AD6D06-3E83-A1C5-22C9-6C7079E0F262}"/>
+              </a:ext>
+            </a:extLst>
+          </p:cNvPr>
+          <p:cNvSpPr>
+            <a:spLocks noGrp="1"/>
+          </p:cNvSpPr>
+          <p:nvPr>
+            <p:ph type="sldNum" sz="quarter" idx="4"/>
+          </p:nvPr>
+        </p:nvSpPr>
+        <p:spPr/>
+        <p:txBody>
+          <a:bodyPr/>
+          <a:lstStyle/>
+          <a:p>
+            <a:fld id="{B5CEABB6-07DC-46E8-9B57-56EC44A396E5}" type="slidenum">
+              <a:rPr lang="en-US" smtClean="0"/>
+              <a:pPr/>
+              <a:t>10</a:t>
+            </a:fld>
+            <a:endParaRPr lang="en-US"/>
+          </a:p>
+        </p:txBody>
+      </p:sp>
+    </p:spTree>
+    <p:extLst>
+      <p:ext uri="{BB962C8B-B14F-4D97-AF65-F5344CB8AC3E}">
+        <p14:creationId xmlns:p14="http://schemas.microsoft.com/office/powerpoint/2010/main" val="2356167715"/>
+      </p:ext>
+    </p:extLst>
+  </p:cSld>
+  <p:clrMapOvr>
+    <a:masterClrMapping/>
+  </p:clrMapOvr>
+</p:sld>
+</file>
+
+<file path=ppt/slides/slide11.xml><?xml version="1.0" encoding="utf-8"?>
+<p:sld xmlns:a="http://schemas.openxmlformats.org/drawingml/2006/main" xmlns:r="http://schemas.openxmlformats.org/officeDocument/2006/relationships" xmlns:p="http://schemas.openxmlformats.org/presentationml/2006/main">
+  <p:cSld>
+    <p:bg>
+      <p:bgPr>
+        <a:solidFill>
+          <a:schemeClr val="tx1"/>
+        </a:solidFill>
+        <a:effectLst/>
+      </p:bgPr>
+    </p:bg>
+    <p:spTree>
+      <p:nvGrpSpPr>
+        <p:cNvPr id="1" name=""/>
+        <p:cNvGrpSpPr/>
+        <p:nvPr/>
+      </p:nvGrpSpPr>
+      <p:grpSpPr>
+        <a:xfrm>
+          <a:off x="0" y="0"/>
+          <a:ext cx="0" cy="0"/>
+          <a:chOff x="0" y="0"/>
+          <a:chExt cx="0" cy="0"/>
+        </a:xfrm>
+      </p:grpSpPr>
+      <p:pic>
+        <p:nvPicPr>
+          <p:cNvPr id="3" name="Graphic 2">
+            <a:extLst>
+              <a:ext uri="{FF2B5EF4-FFF2-40B4-BE49-F238E27FC236}">
+                <a16:creationId xmlns:a16="http://schemas.microsoft.com/office/drawing/2014/main" id="{77B52831-0916-294C-0ACB-9774B9805D9B}"/>
+              </a:ext>
+              <a:ext uri="{C183D7F6-B498-43B3-948B-1728B52AA6E4}">
+                <adec:decorative xmlns:adec="http://schemas.microsoft.com/office/drawing/2017/decorative" val="1"/>
+              </a:ext>
+            </a:extLst>
+          </p:cNvPr>
+          <p:cNvPicPr>
+            <a:picLocks noChangeAspect="1"/>
+          </p:cNvPicPr>
+          <p:nvPr/>
+        </p:nvPicPr>
+        <p:blipFill rotWithShape="1">
+          <a:blip r:embed="rId3">
+            <a:extLst>
+              <a:ext uri="{96DAC541-7B7A-43D3-8B79-37D633B846F1}">
+                <asvg:svgBlip xmlns:asvg="http://schemas.microsoft.com/office/drawing/2016/SVG/main" r:embed="rId4"/>
+              </a:ext>
+            </a:extLst>
+          </a:blip>
+          <a:srcRect l="4151" r="18577"/>
+          <a:stretch/>
+        </p:blipFill>
+        <p:spPr>
+          <a:xfrm flipH="1">
+            <a:off x="0" y="0"/>
+            <a:ext cx="5181600" cy="6858000"/>
+          </a:xfrm>
+          <a:prstGeom prst="rect">
+            <a:avLst/>
+          </a:prstGeom>
+        </p:spPr>
+      </p:pic>
+      <p:sp>
+        <p:nvSpPr>
+          <p:cNvPr id="7" name="Title 6">
+            <a:extLst>
+              <a:ext uri="{FF2B5EF4-FFF2-40B4-BE49-F238E27FC236}">
+                <a16:creationId xmlns:a16="http://schemas.microsoft.com/office/drawing/2014/main" id="{E82E216E-9EE0-9D3F-D692-083F575A3D04}"/>
+              </a:ext>
+            </a:extLst>
+          </p:cNvPr>
+          <p:cNvSpPr>
+            <a:spLocks noGrp="1"/>
+          </p:cNvSpPr>
+          <p:nvPr>
+            <p:ph type="title"/>
+          </p:nvPr>
+        </p:nvSpPr>
+        <p:spPr>
+          <a:xfrm>
+            <a:off x="6091515" y="374090"/>
+            <a:ext cx="5057104" cy="3624984"/>
+          </a:xfrm>
+        </p:spPr>
+        <p:txBody>
+          <a:bodyPr/>
+          <a:lstStyle/>
+          <a:p>
+            <a:r>
+              <a:rPr lang="en-US"/>
+              <a:t>Moving On</a:t>
+            </a:r>
+          </a:p>
+        </p:txBody>
+      </p:sp>
+      <p:sp>
+        <p:nvSpPr>
+          <p:cNvPr id="10" name="Content Placeholder 9">
+            <a:extLst>
+              <a:ext uri="{FF2B5EF4-FFF2-40B4-BE49-F238E27FC236}">
+                <a16:creationId xmlns:a16="http://schemas.microsoft.com/office/drawing/2014/main" id="{1F398FDD-E639-CF6A-B875-443655F2B31B}"/>
+              </a:ext>
+            </a:extLst>
+          </p:cNvPr>
+          <p:cNvSpPr>
+            <a:spLocks noGrp="1"/>
+          </p:cNvSpPr>
+          <p:nvPr>
+            <p:ph idx="1"/>
+          </p:nvPr>
+        </p:nvSpPr>
+        <p:spPr>
+          <a:xfrm>
+            <a:off x="6091514" y="4172989"/>
+            <a:ext cx="5057103" cy="2519363"/>
+          </a:xfrm>
+        </p:spPr>
+        <p:txBody>
+          <a:bodyPr/>
+          <a:lstStyle/>
+          <a:p>
+            <a:r>
+              <a:rPr lang="en-US">
+                <a:hlinkClick r:id="rId5"/>
+              </a:rPr>
+              <a:t>Figma: Stylized Prototype</a:t>
+            </a:r>
+            <a:endParaRPr lang="en-US"/>
+          </a:p>
+        </p:txBody>
+      </p:sp>
+    </p:spTree>
+    <p:extLst>
+      <p:ext uri="{BB962C8B-B14F-4D97-AF65-F5344CB8AC3E}">
+        <p14:creationId xmlns:p14="http://schemas.microsoft.com/office/powerpoint/2010/main" val="769932640"/>
       </p:ext>
     </p:extLst>
   </p:cSld>
@@ -6231,10 +7002,10 @@
       </p:grpSpPr>
       <p:sp>
         <p:nvSpPr>
-          <p:cNvPr id="3" name="Title 2">
-            <a:extLst>
-              <a:ext uri="{FF2B5EF4-FFF2-40B4-BE49-F238E27FC236}">
-                <a16:creationId xmlns:a16="http://schemas.microsoft.com/office/drawing/2014/main" id="{3474D05E-8A36-8D9F-519E-DB514A69D886}"/>
+          <p:cNvPr id="2" name="Title 1">
+            <a:extLst>
+              <a:ext uri="{FF2B5EF4-FFF2-40B4-BE49-F238E27FC236}">
+                <a16:creationId xmlns:a16="http://schemas.microsoft.com/office/drawing/2014/main" id="{018E4F0B-A6EB-861C-1C34-CAA9BDE47858}"/>
               </a:ext>
             </a:extLst>
           </p:cNvPr>
@@ -6245,29 +7016,24 @@
             <p:ph type="title"/>
           </p:nvPr>
         </p:nvSpPr>
-        <p:spPr>
-          <a:xfrm>
-            <a:off x="914400" y="315533"/>
-            <a:ext cx="5181600" cy="2376868"/>
-          </a:xfrm>
-        </p:spPr>
+        <p:spPr/>
         <p:txBody>
           <a:bodyPr/>
           <a:lstStyle/>
           <a:p>
             <a:r>
-              <a:rPr lang="en-US" dirty="0"/>
-              <a:t>Project Vision</a:t>
-            </a:r>
-          </a:p>
-        </p:txBody>
-      </p:sp>
-      <p:sp>
-        <p:nvSpPr>
-          <p:cNvPr id="4" name="Content Placeholder 3">
-            <a:extLst>
-              <a:ext uri="{FF2B5EF4-FFF2-40B4-BE49-F238E27FC236}">
-                <a16:creationId xmlns:a16="http://schemas.microsoft.com/office/drawing/2014/main" id="{B20C1E08-E337-110E-DB8E-41BA4A3341A1}"/>
+              <a:rPr lang="en-US" sz="3200"/>
+              <a:t>Problem </a:t>
+            </a:r>
+          </a:p>
+        </p:txBody>
+      </p:sp>
+      <p:sp>
+        <p:nvSpPr>
+          <p:cNvPr id="3" name="Content Placeholder 2">
+            <a:extLst>
+              <a:ext uri="{FF2B5EF4-FFF2-40B4-BE49-F238E27FC236}">
+                <a16:creationId xmlns:a16="http://schemas.microsoft.com/office/drawing/2014/main" id="{59F97739-E0DF-24F3-7886-013A799A52C3}"/>
               </a:ext>
             </a:extLst>
           </p:cNvPr>
@@ -6278,56 +7044,114 @@
             <p:ph sz="quarter" idx="10"/>
           </p:nvPr>
         </p:nvSpPr>
-        <p:spPr>
-          <a:xfrm>
-            <a:off x="914400" y="2844800"/>
-            <a:ext cx="5181600" cy="3128963"/>
-          </a:xfrm>
-        </p:spPr>
+        <p:spPr/>
         <p:txBody>
           <a:bodyPr/>
           <a:lstStyle/>
           <a:p>
-            <a:pPr marL="342900" indent="-342900">
+            <a:pPr marL="228600" indent="-228600">
+              <a:spcBef>
+                <a:spcPts val="0"/>
+              </a:spcBef>
+              <a:spcAft>
+                <a:spcPts val="1200"/>
+              </a:spcAft>
               <a:buFont typeface="Arial" panose="020B0604020202020204" pitchFamily="34" charset="0"/>
               <a:buChar char="•"/>
             </a:pPr>
             <a:r>
-              <a:rPr lang="en-US" dirty="0"/>
-              <a:t>Connect creative individuals with groups that can enact dreams</a:t>
-            </a:r>
-          </a:p>
-          <a:p>
-            <a:pPr marL="342900" indent="-342900">
+              <a:rPr lang="en-US" sz="2000" b="1" cap="none"/>
+              <a:t>Lack of Ideas:</a:t>
+            </a:r>
+            <a:r>
+              <a:rPr lang="en-US" sz="2000" cap="none"/>
+              <a:t> Many ideas are never shared, and can never improve the community</a:t>
+            </a:r>
+            <a:endParaRPr lang="en-US" sz="2000" cap="none">
+              <a:cs typeface="Calibri"/>
+            </a:endParaRPr>
+          </a:p>
+          <a:p>
+            <a:pPr marL="228600" indent="-228600">
+              <a:spcBef>
+                <a:spcPts val="0"/>
+              </a:spcBef>
+              <a:spcAft>
+                <a:spcPts val="1200"/>
+              </a:spcAft>
               <a:buFont typeface="Arial" panose="020B0604020202020204" pitchFamily="34" charset="0"/>
               <a:buChar char="•"/>
             </a:pPr>
             <a:r>
-              <a:rPr lang="en-US" dirty="0"/>
-              <a:t>Allow innovation by promoting the public view of project ideas</a:t>
-            </a:r>
-          </a:p>
-          <a:p>
-            <a:pPr marL="342900" indent="-342900">
+              <a:rPr lang="en-US" sz="2000" b="1" cap="none"/>
+              <a:t>Lack of Connections</a:t>
+            </a:r>
+            <a:r>
+              <a:rPr lang="en-US" sz="2000" cap="none"/>
+              <a:t>: Many ideas that are present lack widespread advertising, and don’t reach all interested people</a:t>
+            </a:r>
+          </a:p>
+          <a:p>
+            <a:pPr marL="228600" indent="-228600">
+              <a:spcBef>
+                <a:spcPts val="0"/>
+              </a:spcBef>
+              <a:spcAft>
+                <a:spcPts val="1200"/>
+              </a:spcAft>
               <a:buFont typeface="Arial" panose="020B0604020202020204" pitchFamily="34" charset="0"/>
               <a:buChar char="•"/>
             </a:pPr>
             <a:r>
-              <a:rPr lang="en-US" dirty="0"/>
-              <a:t>Provide an opportunity for the community to engage &amp; improve with applied experience on projects</a:t>
-            </a:r>
-          </a:p>
-          <a:p>
-            <a:endParaRPr lang="en-US" dirty="0"/>
-          </a:p>
-        </p:txBody>
-      </p:sp>
-      <p:sp>
-        <p:nvSpPr>
-          <p:cNvPr id="2" name="Slide Number Placeholder 1">
-            <a:extLst>
-              <a:ext uri="{FF2B5EF4-FFF2-40B4-BE49-F238E27FC236}">
-                <a16:creationId xmlns:a16="http://schemas.microsoft.com/office/drawing/2014/main" id="{00255621-1D81-03E6-507B-CB20E070356A}"/>
+              <a:rPr lang="en-US" sz="2000" b="1" cap="none"/>
+              <a:t>Talent &amp; Ability</a:t>
+            </a:r>
+            <a:r>
+              <a:rPr lang="en-US" sz="2000" cap="none"/>
+              <a:t>: </a:t>
+            </a:r>
+            <a:r>
+              <a:rPr lang="en-US" sz="2000" cap="none">
+                <a:ea typeface="+mn-lt"/>
+                <a:cs typeface="+mn-lt"/>
+              </a:rPr>
+              <a:t>No one person can accomplish all projects on their own, limiting the scope of ideas</a:t>
+            </a:r>
+            <a:endParaRPr lang="en-US" sz="2000" cap="none">
+              <a:cs typeface="Calibri" panose="020F0502020204030204"/>
+            </a:endParaRPr>
+          </a:p>
+          <a:p>
+            <a:pPr marL="228600" indent="-228600">
+              <a:spcBef>
+                <a:spcPts val="0"/>
+              </a:spcBef>
+              <a:spcAft>
+                <a:spcPts val="1200"/>
+              </a:spcAft>
+              <a:buFont typeface="Arial" panose="020B0604020202020204" pitchFamily="34" charset="0"/>
+              <a:buChar char="•"/>
+            </a:pPr>
+            <a:r>
+              <a:rPr lang="en-US" sz="2000" b="1" cap="none"/>
+              <a:t>Freedom</a:t>
+            </a:r>
+            <a:r>
+              <a:rPr lang="en-US" sz="2000" cap="none"/>
+              <a:t>: The more common University-sponsored projects have relatively rigid requirements, which can prevent creative solutions</a:t>
+            </a:r>
+            <a:endParaRPr lang="en-US" sz="2000" cap="none">
+              <a:cs typeface="Calibri" panose="020F0502020204030204"/>
+            </a:endParaRPr>
+          </a:p>
+        </p:txBody>
+      </p:sp>
+      <p:sp>
+        <p:nvSpPr>
+          <p:cNvPr id="4" name="Slide Number Placeholder 3">
+            <a:extLst>
+              <a:ext uri="{FF2B5EF4-FFF2-40B4-BE49-F238E27FC236}">
+                <a16:creationId xmlns:a16="http://schemas.microsoft.com/office/drawing/2014/main" id="{6FE0D061-7327-A55C-AF6A-A95C24DD8B72}"/>
               </a:ext>
             </a:extLst>
           </p:cNvPr>
@@ -6338,12 +7162,7 @@
             <p:ph type="sldNum" sz="quarter" idx="4"/>
           </p:nvPr>
         </p:nvSpPr>
-        <p:spPr>
-          <a:xfrm>
-            <a:off x="914400" y="6246254"/>
-            <a:ext cx="631065" cy="296214"/>
-          </a:xfrm>
-        </p:spPr>
+        <p:spPr/>
         <p:txBody>
           <a:bodyPr/>
           <a:lstStyle/>
@@ -6353,14 +7172,14 @@
               <a:pPr/>
               <a:t>2</a:t>
             </a:fld>
-            <a:endParaRPr lang="en-US" dirty="0"/>
+            <a:endParaRPr lang="en-US"/>
           </a:p>
         </p:txBody>
       </p:sp>
     </p:spTree>
     <p:extLst>
       <p:ext uri="{BB962C8B-B14F-4D97-AF65-F5344CB8AC3E}">
-        <p14:creationId xmlns:p14="http://schemas.microsoft.com/office/powerpoint/2010/main" val="542059410"/>
+        <p14:creationId xmlns:p14="http://schemas.microsoft.com/office/powerpoint/2010/main" val="412000632"/>
       </p:ext>
     </p:extLst>
   </p:cSld>
@@ -6389,10 +7208,10 @@
       </p:grpSpPr>
       <p:sp>
         <p:nvSpPr>
-          <p:cNvPr id="2" name="Title 1">
-            <a:extLst>
-              <a:ext uri="{FF2B5EF4-FFF2-40B4-BE49-F238E27FC236}">
-                <a16:creationId xmlns:a16="http://schemas.microsoft.com/office/drawing/2014/main" id="{018E4F0B-A6EB-861C-1C34-CAA9BDE47858}"/>
+          <p:cNvPr id="3" name="Title 2">
+            <a:extLst>
+              <a:ext uri="{FF2B5EF4-FFF2-40B4-BE49-F238E27FC236}">
+                <a16:creationId xmlns:a16="http://schemas.microsoft.com/office/drawing/2014/main" id="{3474D05E-8A36-8D9F-519E-DB514A69D886}"/>
               </a:ext>
             </a:extLst>
           </p:cNvPr>
@@ -6403,24 +7222,29 @@
             <p:ph type="title"/>
           </p:nvPr>
         </p:nvSpPr>
-        <p:spPr/>
+        <p:spPr>
+          <a:xfrm>
+            <a:off x="914400" y="315533"/>
+            <a:ext cx="5181600" cy="2376868"/>
+          </a:xfrm>
+        </p:spPr>
         <p:txBody>
           <a:bodyPr/>
           <a:lstStyle/>
           <a:p>
             <a:r>
-              <a:rPr lang="en-US" sz="3200" dirty="0"/>
-              <a:t>Problem </a:t>
-            </a:r>
-          </a:p>
-        </p:txBody>
-      </p:sp>
-      <p:sp>
-        <p:nvSpPr>
-          <p:cNvPr id="3" name="Content Placeholder 2">
-            <a:extLst>
-              <a:ext uri="{FF2B5EF4-FFF2-40B4-BE49-F238E27FC236}">
-                <a16:creationId xmlns:a16="http://schemas.microsoft.com/office/drawing/2014/main" id="{59F97739-E0DF-24F3-7886-013A799A52C3}"/>
+              <a:rPr lang="en-US"/>
+              <a:t>Project Vision</a:t>
+            </a:r>
+          </a:p>
+        </p:txBody>
+      </p:sp>
+      <p:sp>
+        <p:nvSpPr>
+          <p:cNvPr id="4" name="Content Placeholder 3">
+            <a:extLst>
+              <a:ext uri="{FF2B5EF4-FFF2-40B4-BE49-F238E27FC236}">
+                <a16:creationId xmlns:a16="http://schemas.microsoft.com/office/drawing/2014/main" id="{B20C1E08-E337-110E-DB8E-41BA4A3341A1}"/>
               </a:ext>
             </a:extLst>
           </p:cNvPr>
@@ -6431,114 +7255,56 @@
             <p:ph sz="quarter" idx="10"/>
           </p:nvPr>
         </p:nvSpPr>
-        <p:spPr/>
+        <p:spPr>
+          <a:xfrm>
+            <a:off x="914400" y="2844800"/>
+            <a:ext cx="5181600" cy="3128963"/>
+          </a:xfrm>
+        </p:spPr>
         <p:txBody>
           <a:bodyPr/>
           <a:lstStyle/>
           <a:p>
-            <a:pPr marL="228600" indent="-228600">
-              <a:spcBef>
-                <a:spcPts val="0"/>
-              </a:spcBef>
-              <a:spcAft>
-                <a:spcPts val="1200"/>
-              </a:spcAft>
+            <a:pPr marL="342900" indent="-342900">
               <a:buFont typeface="Arial" panose="020B0604020202020204" pitchFamily="34" charset="0"/>
               <a:buChar char="•"/>
             </a:pPr>
             <a:r>
-              <a:rPr lang="en-US" sz="2000" b="1" cap="none" dirty="0"/>
-              <a:t>Lack of Ideas:</a:t>
-            </a:r>
-            <a:r>
-              <a:rPr lang="en-US" sz="2000" cap="none" dirty="0"/>
-              <a:t> Many ideas are never shared, and can never improve the community</a:t>
-            </a:r>
-            <a:endParaRPr lang="en-US" sz="2000" cap="none" dirty="0">
-              <a:cs typeface="Calibri"/>
-            </a:endParaRPr>
-          </a:p>
-          <a:p>
-            <a:pPr marL="228600" indent="-228600">
-              <a:spcBef>
-                <a:spcPts val="0"/>
-              </a:spcBef>
-              <a:spcAft>
-                <a:spcPts val="1200"/>
-              </a:spcAft>
+              <a:rPr lang="en-US"/>
+              <a:t>Connect creative individuals with groups that can enact dreams</a:t>
+            </a:r>
+          </a:p>
+          <a:p>
+            <a:pPr marL="342900" indent="-342900">
               <a:buFont typeface="Arial" panose="020B0604020202020204" pitchFamily="34" charset="0"/>
               <a:buChar char="•"/>
             </a:pPr>
             <a:r>
-              <a:rPr lang="en-US" sz="2000" b="1" cap="none" dirty="0"/>
-              <a:t>Lack of Connections</a:t>
-            </a:r>
-            <a:r>
-              <a:rPr lang="en-US" sz="2000" cap="none" dirty="0"/>
-              <a:t>: Many ideas that are present lack widespread advertising, and don’t reach all interested people</a:t>
-            </a:r>
-          </a:p>
-          <a:p>
-            <a:pPr marL="228600" indent="-228600">
-              <a:spcBef>
-                <a:spcPts val="0"/>
-              </a:spcBef>
-              <a:spcAft>
-                <a:spcPts val="1200"/>
-              </a:spcAft>
+              <a:rPr lang="en-US"/>
+              <a:t>Allow innovation by promoting the public view of project ideas</a:t>
+            </a:r>
+          </a:p>
+          <a:p>
+            <a:pPr marL="342900" indent="-342900">
               <a:buFont typeface="Arial" panose="020B0604020202020204" pitchFamily="34" charset="0"/>
               <a:buChar char="•"/>
             </a:pPr>
             <a:r>
-              <a:rPr lang="en-US" sz="2000" b="1" cap="none" dirty="0"/>
-              <a:t>Talent &amp; Ability</a:t>
-            </a:r>
-            <a:r>
-              <a:rPr lang="en-US" sz="2000" cap="none" dirty="0"/>
-              <a:t>: </a:t>
-            </a:r>
-            <a:r>
-              <a:rPr lang="en-US" sz="2000" cap="none" dirty="0">
-                <a:ea typeface="+mn-lt"/>
-                <a:cs typeface="+mn-lt"/>
-              </a:rPr>
-              <a:t>No one person can accomplish all projects on their own, limiting the scope of ideas</a:t>
-            </a:r>
-            <a:endParaRPr lang="en-US" sz="2000" cap="none" dirty="0">
-              <a:cs typeface="Calibri" panose="020F0502020204030204"/>
-            </a:endParaRPr>
-          </a:p>
-          <a:p>
-            <a:pPr marL="228600" indent="-228600">
-              <a:spcBef>
-                <a:spcPts val="0"/>
-              </a:spcBef>
-              <a:spcAft>
-                <a:spcPts val="1200"/>
-              </a:spcAft>
-              <a:buFont typeface="Arial" panose="020B0604020202020204" pitchFamily="34" charset="0"/>
-              <a:buChar char="•"/>
-            </a:pPr>
-            <a:r>
-              <a:rPr lang="en-US" sz="2000" b="1" cap="none" dirty="0"/>
-              <a:t>Freedom</a:t>
-            </a:r>
-            <a:r>
-              <a:rPr lang="en-US" sz="2000" cap="none" dirty="0"/>
-              <a:t>: The more common University-sponsored projects have relatively rigid requirements, which can prevent creative solutions</a:t>
-            </a:r>
-            <a:endParaRPr lang="en-US" sz="2000" cap="none" dirty="0">
-              <a:cs typeface="Calibri" panose="020F0502020204030204"/>
-            </a:endParaRPr>
-          </a:p>
-        </p:txBody>
-      </p:sp>
-      <p:sp>
-        <p:nvSpPr>
-          <p:cNvPr id="4" name="Slide Number Placeholder 3">
-            <a:extLst>
-              <a:ext uri="{FF2B5EF4-FFF2-40B4-BE49-F238E27FC236}">
-                <a16:creationId xmlns:a16="http://schemas.microsoft.com/office/drawing/2014/main" id="{6FE0D061-7327-A55C-AF6A-A95C24DD8B72}"/>
+              <a:rPr lang="en-US"/>
+              <a:t>Provide an opportunity for the community to engage &amp; improve with applied experience on projects</a:t>
+            </a:r>
+          </a:p>
+          <a:p>
+            <a:endParaRPr lang="en-US"/>
+          </a:p>
+        </p:txBody>
+      </p:sp>
+      <p:sp>
+        <p:nvSpPr>
+          <p:cNvPr id="2" name="Slide Number Placeholder 1">
+            <a:extLst>
+              <a:ext uri="{FF2B5EF4-FFF2-40B4-BE49-F238E27FC236}">
+                <a16:creationId xmlns:a16="http://schemas.microsoft.com/office/drawing/2014/main" id="{00255621-1D81-03E6-507B-CB20E070356A}"/>
               </a:ext>
             </a:extLst>
           </p:cNvPr>
@@ -6549,7 +7315,12 @@
             <p:ph type="sldNum" sz="quarter" idx="4"/>
           </p:nvPr>
         </p:nvSpPr>
-        <p:spPr/>
+        <p:spPr>
+          <a:xfrm>
+            <a:off x="914400" y="6246254"/>
+            <a:ext cx="631065" cy="296214"/>
+          </a:xfrm>
+        </p:spPr>
         <p:txBody>
           <a:bodyPr/>
           <a:lstStyle/>
@@ -6559,14 +7330,14 @@
               <a:pPr/>
               <a:t>3</a:t>
             </a:fld>
-            <a:endParaRPr lang="en-US" dirty="0"/>
+            <a:endParaRPr lang="en-US"/>
           </a:p>
         </p:txBody>
       </p:sp>
     </p:spTree>
     <p:extLst>
       <p:ext uri="{BB962C8B-B14F-4D97-AF65-F5344CB8AC3E}">
-        <p14:creationId xmlns:p14="http://schemas.microsoft.com/office/powerpoint/2010/main" val="412000632"/>
+        <p14:creationId xmlns:p14="http://schemas.microsoft.com/office/powerpoint/2010/main" val="542059410"/>
       </p:ext>
     </p:extLst>
   </p:cSld>
@@ -6620,7 +7391,7 @@
           <a:lstStyle/>
           <a:p>
             <a:r>
-              <a:rPr lang="en-US" dirty="0"/>
+              <a:rPr lang="en-US"/>
               <a:t>Product Overview</a:t>
             </a:r>
           </a:p>
@@ -6706,11 +7477,11 @@
           <a:lstStyle/>
           <a:p>
             <a:r>
-              <a:rPr lang="en-US" dirty="0"/>
+              <a:rPr lang="en-US"/>
               <a:t>Key Features</a:t>
             </a:r>
             <a:r>
-              <a:rPr lang="en-US" sz="3200" dirty="0"/>
+              <a:rPr lang="en-US" sz="3200"/>
               <a:t> </a:t>
             </a:r>
           </a:p>
@@ -6753,14 +7524,14 @@
               <a:buChar char="•"/>
             </a:pPr>
             <a:r>
-              <a:rPr lang="en-US" sz="2000" b="1" cap="none" dirty="0"/>
+              <a:rPr lang="en-US" sz="2000" b="1" cap="none"/>
               <a:t>Open Forum:</a:t>
             </a:r>
             <a:r>
-              <a:rPr lang="en-US" sz="2000" cap="none" dirty="0"/>
+              <a:rPr lang="en-US" sz="2000" cap="none"/>
               <a:t> All members are encouraged to share their project ideas</a:t>
             </a:r>
-            <a:endParaRPr lang="en-US" sz="2000" cap="none" dirty="0">
+            <a:endParaRPr lang="en-US" sz="2000" cap="none">
               <a:cs typeface="Calibri"/>
             </a:endParaRPr>
           </a:p>
@@ -6776,11 +7547,11 @@
               <a:buChar char="•"/>
             </a:pPr>
             <a:r>
-              <a:rPr lang="en-US" sz="2000" b="1" cap="none" dirty="0"/>
+              <a:rPr lang="en-US" sz="2000" b="1" cap="none"/>
               <a:t>Ease-of-Use</a:t>
             </a:r>
             <a:r>
-              <a:rPr lang="en-US" sz="2000" cap="none" dirty="0"/>
+              <a:rPr lang="en-US" sz="2000" cap="none"/>
               <a:t>: Extension has a simple interface with a clean and easy-to-use design</a:t>
             </a:r>
           </a:p>
@@ -6796,21 +7567,21 @@
               <a:buChar char="•"/>
             </a:pPr>
             <a:r>
-              <a:rPr lang="en-US" sz="2000" b="1" cap="none" dirty="0"/>
+              <a:rPr lang="en-US" sz="2000" b="1" cap="none"/>
               <a:t>Access to Resources</a:t>
             </a:r>
             <a:r>
-              <a:rPr lang="en-US" sz="2000" cap="none" dirty="0"/>
+              <a:rPr lang="en-US" sz="2000" cap="none"/>
               <a:t>: </a:t>
             </a:r>
             <a:r>
-              <a:rPr lang="en-US" sz="2000" cap="none" dirty="0">
+              <a:rPr lang="en-US" sz="2000" cap="none">
                 <a:ea typeface="+mn-lt"/>
                 <a:cs typeface="+mn-lt"/>
               </a:rPr>
               <a:t>The main contributors already on the project and links to project resources are present</a:t>
             </a:r>
-            <a:endParaRPr lang="en-US" sz="2000" cap="none" dirty="0">
+            <a:endParaRPr lang="en-US" sz="2000" cap="none">
               <a:cs typeface="Calibri" panose="020F0502020204030204"/>
             </a:endParaRPr>
           </a:p>
@@ -6826,14 +7597,14 @@
               <a:buChar char="•"/>
             </a:pPr>
             <a:r>
-              <a:rPr lang="en-US" sz="2000" b="1" cap="none" dirty="0"/>
+              <a:rPr lang="en-US" sz="2000" b="1" cap="none"/>
               <a:t>Messaging</a:t>
             </a:r>
             <a:r>
-              <a:rPr lang="en-US" sz="2000" cap="none" dirty="0"/>
+              <a:rPr lang="en-US" sz="2000" cap="none"/>
               <a:t>: (TBD) Allows prospective project participants to connect with project members before joining</a:t>
             </a:r>
-            <a:endParaRPr lang="en-US" sz="2000" cap="none" dirty="0">
+            <a:endParaRPr lang="en-US" sz="2000" cap="none">
               <a:cs typeface="Calibri" panose="020F0502020204030204"/>
             </a:endParaRPr>
           </a:p>
@@ -6865,7 +7636,7 @@
               <a:pPr/>
               <a:t>5</a:t>
             </a:fld>
-            <a:endParaRPr lang="en-US" dirty="0"/>
+            <a:endParaRPr lang="en-US"/>
           </a:p>
         </p:txBody>
       </p:sp>
@@ -6885,14 +7656,13 @@
         </p:nvPicPr>
         <p:blipFill>
           <a:blip r:embed="rId3"/>
-          <a:stretch>
-            <a:fillRect/>
-          </a:stretch>
+          <a:srcRect/>
+          <a:stretch/>
         </p:blipFill>
         <p:spPr>
           <a:xfrm>
-            <a:off x="6910663" y="0"/>
-            <a:ext cx="5281337" cy="6858000"/>
+            <a:off x="7278761" y="0"/>
+            <a:ext cx="4896933" cy="6858000"/>
           </a:xfrm>
           <a:prstGeom prst="rect">
             <a:avLst/>
@@ -6948,15 +7718,15 @@
         <p:spPr>
           <a:xfrm>
             <a:off x="914400" y="315533"/>
-            <a:ext cx="5181600" cy="2376868"/>
-          </a:xfrm>
-        </p:spPr>
-        <p:txBody>
-          <a:bodyPr/>
+            <a:ext cx="5181600" cy="2256776"/>
+          </a:xfrm>
+        </p:spPr>
+        <p:txBody>
+          <a:bodyPr anchor="ctr"/>
           <a:lstStyle/>
           <a:p>
             <a:r>
-              <a:rPr lang="en-US" dirty="0"/>
+              <a:rPr lang="en-US"/>
               <a:t>Technologies</a:t>
             </a:r>
           </a:p>
@@ -6980,7 +7750,7 @@
         </p:nvSpPr>
         <p:spPr>
           <a:xfrm>
-            <a:off x="914400" y="2844800"/>
+            <a:off x="914400" y="2721210"/>
             <a:ext cx="5181600" cy="3128963"/>
           </a:xfrm>
         </p:spPr>
@@ -6993,7 +7763,7 @@
               <a:buChar char="•"/>
             </a:pPr>
             <a:r>
-              <a:rPr lang="en-US" dirty="0"/>
+              <a:rPr lang="en-US"/>
               <a:t>HTML/CSS-based extension</a:t>
             </a:r>
           </a:p>
@@ -7003,7 +7773,7 @@
               <a:buChar char="•"/>
             </a:pPr>
             <a:r>
-              <a:rPr lang="en-US" dirty="0"/>
+              <a:rPr lang="en-US"/>
               <a:t>Document-style database (e.g. MongoDB)</a:t>
             </a:r>
           </a:p>
@@ -7013,7 +7783,7 @@
               <a:buChar char="•"/>
             </a:pPr>
             <a:r>
-              <a:rPr lang="en-US" dirty="0"/>
+              <a:rPr lang="en-US"/>
               <a:t>Linked internal/external platform for communication</a:t>
             </a:r>
           </a:p>
@@ -7023,12 +7793,12 @@
               <a:buChar char="•"/>
             </a:pPr>
             <a:r>
-              <a:rPr lang="en-US" dirty="0"/>
+              <a:rPr lang="en-US"/>
               <a:t>That’s all! Lightweight = Easier to implement</a:t>
             </a:r>
           </a:p>
           <a:p>
-            <a:endParaRPr lang="en-US" dirty="0"/>
+            <a:endParaRPr lang="en-US"/>
           </a:p>
         </p:txBody>
       </p:sp>
@@ -7063,7 +7833,7 @@
               <a:pPr/>
               <a:t>6</a:t>
             </a:fld>
-            <a:endParaRPr lang="en-US" dirty="0"/>
+            <a:endParaRPr lang="en-US"/>
           </a:p>
         </p:txBody>
       </p:sp>
@@ -7083,14 +7853,6 @@
 <file path=ppt/slides/slide7.xml><?xml version="1.0" encoding="utf-8"?>
 <p:sld xmlns:a="http://schemas.openxmlformats.org/drawingml/2006/main" xmlns:r="http://schemas.openxmlformats.org/officeDocument/2006/relationships" xmlns:p="http://schemas.openxmlformats.org/presentationml/2006/main">
   <p:cSld>
-    <p:bg>
-      <p:bgPr>
-        <a:solidFill>
-          <a:schemeClr val="tx1"/>
-        </a:solidFill>
-        <a:effectLst/>
-      </p:bgPr>
-    </p:bg>
     <p:spTree>
       <p:nvGrpSpPr>
         <p:cNvPr id="1" name=""/>
@@ -7105,50 +7867,12 @@
           <a:chExt cx="0" cy="0"/>
         </a:xfrm>
       </p:grpSpPr>
-      <p:pic>
-        <p:nvPicPr>
-          <p:cNvPr id="3" name="Graphic 2">
-            <a:extLst>
-              <a:ext uri="{FF2B5EF4-FFF2-40B4-BE49-F238E27FC236}">
-                <a16:creationId xmlns:a16="http://schemas.microsoft.com/office/drawing/2014/main" id="{77B52831-0916-294C-0ACB-9774B9805D9B}"/>
-              </a:ext>
-              <a:ext uri="{C183D7F6-B498-43B3-948B-1728B52AA6E4}">
-                <adec:decorative xmlns:adec="http://schemas.microsoft.com/office/drawing/2017/decorative" val="1"/>
-              </a:ext>
-            </a:extLst>
-          </p:cNvPr>
-          <p:cNvPicPr>
-            <a:picLocks noChangeAspect="1"/>
-          </p:cNvPicPr>
-          <p:nvPr/>
-        </p:nvPicPr>
-        <p:blipFill rotWithShape="1">
-          <a:blip r:embed="rId3">
-            <a:extLst>
-              <a:ext uri="{96DAC541-7B7A-43D3-8B79-37D633B846F1}">
-                <asvg:svgBlip xmlns:asvg="http://schemas.microsoft.com/office/drawing/2016/SVG/main" r:embed="rId4"/>
-              </a:ext>
-            </a:extLst>
-          </a:blip>
-          <a:srcRect l="4151" r="18577"/>
-          <a:stretch/>
-        </p:blipFill>
-        <p:spPr>
-          <a:xfrm flipH="1">
-            <a:off x="0" y="0"/>
-            <a:ext cx="5181600" cy="6858000"/>
-          </a:xfrm>
-          <a:prstGeom prst="rect">
-            <a:avLst/>
-          </a:prstGeom>
-        </p:spPr>
-      </p:pic>
-      <p:sp>
-        <p:nvSpPr>
-          <p:cNvPr id="7" name="Title 6">
-            <a:extLst>
-              <a:ext uri="{FF2B5EF4-FFF2-40B4-BE49-F238E27FC236}">
-                <a16:creationId xmlns:a16="http://schemas.microsoft.com/office/drawing/2014/main" id="{E82E216E-9EE0-9D3F-D692-083F575A3D04}"/>
+      <p:sp>
+        <p:nvSpPr>
+          <p:cNvPr id="3" name="Title 2">
+            <a:extLst>
+              <a:ext uri="{FF2B5EF4-FFF2-40B4-BE49-F238E27FC236}">
+                <a16:creationId xmlns:a16="http://schemas.microsoft.com/office/drawing/2014/main" id="{3474D05E-8A36-8D9F-519E-DB514A69D886}"/>
               </a:ext>
             </a:extLst>
           </p:cNvPr>
@@ -7161,61 +7885,441 @@
         </p:nvSpPr>
         <p:spPr>
           <a:xfrm>
-            <a:off x="6091515" y="374090"/>
-            <a:ext cx="5057104" cy="3624984"/>
+            <a:off x="914400" y="315533"/>
+            <a:ext cx="5181600" cy="2256776"/>
+          </a:xfrm>
+        </p:spPr>
+        <p:txBody>
+          <a:bodyPr anchor="ctr"/>
+          <a:lstStyle/>
+          <a:p>
+            <a:r>
+              <a:rPr lang="en-US"/>
+              <a:t>Security Considerations</a:t>
+            </a:r>
+          </a:p>
+        </p:txBody>
+      </p:sp>
+      <p:sp>
+        <p:nvSpPr>
+          <p:cNvPr id="4" name="Content Placeholder 3">
+            <a:extLst>
+              <a:ext uri="{FF2B5EF4-FFF2-40B4-BE49-F238E27FC236}">
+                <a16:creationId xmlns:a16="http://schemas.microsoft.com/office/drawing/2014/main" id="{B20C1E08-E337-110E-DB8E-41BA4A3341A1}"/>
+              </a:ext>
+            </a:extLst>
+          </p:cNvPr>
+          <p:cNvSpPr>
+            <a:spLocks noGrp="1"/>
+          </p:cNvSpPr>
+          <p:nvPr>
+            <p:ph sz="quarter" idx="10"/>
+          </p:nvPr>
+        </p:nvSpPr>
+        <p:spPr>
+          <a:xfrm>
+            <a:off x="914400" y="2721210"/>
+            <a:ext cx="5181600" cy="3128963"/>
           </a:xfrm>
         </p:spPr>
         <p:txBody>
           <a:bodyPr/>
           <a:lstStyle/>
           <a:p>
-            <a:r>
-              <a:rPr lang="en-US" dirty="0"/>
-              <a:t>Moving On</a:t>
-            </a:r>
-          </a:p>
-        </p:txBody>
-      </p:sp>
-      <p:sp>
-        <p:nvSpPr>
-          <p:cNvPr id="10" name="Content Placeholder 9">
-            <a:extLst>
-              <a:ext uri="{FF2B5EF4-FFF2-40B4-BE49-F238E27FC236}">
-                <a16:creationId xmlns:a16="http://schemas.microsoft.com/office/drawing/2014/main" id="{1F398FDD-E639-CF6A-B875-443655F2B31B}"/>
-              </a:ext>
-            </a:extLst>
-          </p:cNvPr>
-          <p:cNvSpPr>
-            <a:spLocks noGrp="1"/>
-          </p:cNvSpPr>
-          <p:nvPr>
-            <p:ph idx="1"/>
+            <a:pPr marL="342900" indent="-342900">
+              <a:buFont typeface="Arial" panose="020B0604020202020204" pitchFamily="34" charset="0"/>
+              <a:buChar char="•"/>
+            </a:pPr>
+            <a:r>
+              <a:rPr lang="en-US"/>
+              <a:t>Database is storing limited sensitive data</a:t>
+            </a:r>
+          </a:p>
+          <a:p>
+            <a:pPr marL="1028700" lvl="1" indent="-342900"/>
+            <a:r>
+              <a:rPr lang="en-US"/>
+              <a:t>Users can be authenticated by logging into the browser</a:t>
+            </a:r>
+          </a:p>
+          <a:p>
+            <a:pPr marL="342900" indent="-342900">
+              <a:buFont typeface="Arial" panose="020B0604020202020204" pitchFamily="34" charset="0"/>
+              <a:buChar char="•"/>
+            </a:pPr>
+            <a:r>
+              <a:rPr lang="en-US"/>
+              <a:t>For stored data, accessed through group logins with limited </a:t>
+            </a:r>
+            <a:r>
+              <a:rPr lang="en-US" err="1"/>
+              <a:t>priveledges</a:t>
+            </a:r>
+            <a:endParaRPr lang="en-US"/>
+          </a:p>
+          <a:p>
+            <a:endParaRPr lang="en-US"/>
+          </a:p>
+        </p:txBody>
+      </p:sp>
+      <p:sp>
+        <p:nvSpPr>
+          <p:cNvPr id="2" name="Slide Number Placeholder 1">
+            <a:extLst>
+              <a:ext uri="{FF2B5EF4-FFF2-40B4-BE49-F238E27FC236}">
+                <a16:creationId xmlns:a16="http://schemas.microsoft.com/office/drawing/2014/main" id="{00255621-1D81-03E6-507B-CB20E070356A}"/>
+              </a:ext>
+            </a:extLst>
+          </p:cNvPr>
+          <p:cNvSpPr>
+            <a:spLocks noGrp="1"/>
+          </p:cNvSpPr>
+          <p:nvPr>
+            <p:ph type="sldNum" sz="quarter" idx="4"/>
           </p:nvPr>
         </p:nvSpPr>
         <p:spPr>
           <a:xfrm>
-            <a:off x="6091514" y="4172989"/>
-            <a:ext cx="5057103" cy="2519363"/>
+            <a:off x="914400" y="6246254"/>
+            <a:ext cx="631065" cy="296214"/>
           </a:xfrm>
         </p:spPr>
         <p:txBody>
           <a:bodyPr/>
           <a:lstStyle/>
           <a:p>
-            <a:r>
-              <a:rPr lang="en-US" dirty="0">
-                <a:hlinkClick r:id="rId5"/>
-              </a:rPr>
-              <a:t>Figma: Stylized Prototype</a:t>
-            </a:r>
-            <a:endParaRPr lang="en-US" dirty="0"/>
+            <a:fld id="{B5CEABB6-07DC-46E8-9B57-56EC44A396E5}" type="slidenum">
+              <a:rPr lang="en-US" smtClean="0"/>
+              <a:pPr/>
+              <a:t>7</a:t>
+            </a:fld>
+            <a:endParaRPr lang="en-US"/>
           </a:p>
         </p:txBody>
       </p:sp>
     </p:spTree>
     <p:extLst>
       <p:ext uri="{BB962C8B-B14F-4D97-AF65-F5344CB8AC3E}">
-        <p14:creationId xmlns:p14="http://schemas.microsoft.com/office/powerpoint/2010/main" val="769932640"/>
+        <p14:creationId xmlns:p14="http://schemas.microsoft.com/office/powerpoint/2010/main" val="36665462"/>
+      </p:ext>
+    </p:extLst>
+  </p:cSld>
+  <p:clrMapOvr>
+    <a:masterClrMapping/>
+  </p:clrMapOvr>
+</p:sld>
+</file>
+
+<file path=ppt/slides/slide8.xml><?xml version="1.0" encoding="utf-8"?>
+<p:sld xmlns:a="http://schemas.openxmlformats.org/drawingml/2006/main" xmlns:r="http://schemas.openxmlformats.org/officeDocument/2006/relationships" xmlns:p="http://schemas.openxmlformats.org/presentationml/2006/main">
+  <p:cSld>
+    <p:spTree>
+      <p:nvGrpSpPr>
+        <p:cNvPr id="1" name=""/>
+        <p:cNvGrpSpPr/>
+        <p:nvPr/>
+      </p:nvGrpSpPr>
+      <p:grpSpPr>
+        <a:xfrm>
+          <a:off x="0" y="0"/>
+          <a:ext cx="0" cy="0"/>
+          <a:chOff x="0" y="0"/>
+          <a:chExt cx="0" cy="0"/>
+        </a:xfrm>
+      </p:grpSpPr>
+      <p:sp>
+        <p:nvSpPr>
+          <p:cNvPr id="3" name="Title 2">
+            <a:extLst>
+              <a:ext uri="{FF2B5EF4-FFF2-40B4-BE49-F238E27FC236}">
+                <a16:creationId xmlns:a16="http://schemas.microsoft.com/office/drawing/2014/main" id="{3474D05E-8A36-8D9F-519E-DB514A69D886}"/>
+              </a:ext>
+            </a:extLst>
+          </p:cNvPr>
+          <p:cNvSpPr>
+            <a:spLocks noGrp="1"/>
+          </p:cNvSpPr>
+          <p:nvPr>
+            <p:ph type="title"/>
+          </p:nvPr>
+        </p:nvSpPr>
+        <p:spPr>
+          <a:xfrm>
+            <a:off x="914400" y="315533"/>
+            <a:ext cx="6126480" cy="2256776"/>
+          </a:xfrm>
+        </p:spPr>
+        <p:txBody>
+          <a:bodyPr anchor="ctr"/>
+          <a:lstStyle/>
+          <a:p>
+            <a:r>
+              <a:rPr lang="en-US"/>
+              <a:t>Automation &amp; Sustainability</a:t>
+            </a:r>
+          </a:p>
+        </p:txBody>
+      </p:sp>
+      <p:sp>
+        <p:nvSpPr>
+          <p:cNvPr id="4" name="Content Placeholder 3">
+            <a:extLst>
+              <a:ext uri="{FF2B5EF4-FFF2-40B4-BE49-F238E27FC236}">
+                <a16:creationId xmlns:a16="http://schemas.microsoft.com/office/drawing/2014/main" id="{B20C1E08-E337-110E-DB8E-41BA4A3341A1}"/>
+              </a:ext>
+            </a:extLst>
+          </p:cNvPr>
+          <p:cNvSpPr>
+            <a:spLocks noGrp="1"/>
+          </p:cNvSpPr>
+          <p:nvPr>
+            <p:ph sz="quarter" idx="10"/>
+          </p:nvPr>
+        </p:nvSpPr>
+        <p:spPr>
+          <a:xfrm>
+            <a:off x="914400" y="2721210"/>
+            <a:ext cx="5181600" cy="3128963"/>
+          </a:xfrm>
+        </p:spPr>
+        <p:txBody>
+          <a:bodyPr/>
+          <a:lstStyle/>
+          <a:p>
+            <a:pPr marL="342900" indent="-342900">
+              <a:buFont typeface="Arial" panose="020B0604020202020204" pitchFamily="34" charset="0"/>
+              <a:buChar char="•"/>
+            </a:pPr>
+            <a:r>
+              <a:rPr lang="en-US"/>
+              <a:t>HTML/CSS-based extension, no computationally-intensive frameworks</a:t>
+            </a:r>
+          </a:p>
+          <a:p>
+            <a:pPr marL="342900" indent="-342900">
+              <a:buFont typeface="Arial" panose="020B0604020202020204" pitchFamily="34" charset="0"/>
+              <a:buChar char="•"/>
+            </a:pPr>
+            <a:r>
+              <a:rPr lang="en-US"/>
+              <a:t>In future development, database system is something that could be installed easily, then connected through the extension</a:t>
+            </a:r>
+          </a:p>
+          <a:p>
+            <a:pPr marL="342900" indent="-342900">
+              <a:buFont typeface="Arial" panose="020B0604020202020204" pitchFamily="34" charset="0"/>
+              <a:buChar char="•"/>
+            </a:pPr>
+            <a:endParaRPr lang="en-US"/>
+          </a:p>
+        </p:txBody>
+      </p:sp>
+      <p:sp>
+        <p:nvSpPr>
+          <p:cNvPr id="2" name="Slide Number Placeholder 1">
+            <a:extLst>
+              <a:ext uri="{FF2B5EF4-FFF2-40B4-BE49-F238E27FC236}">
+                <a16:creationId xmlns:a16="http://schemas.microsoft.com/office/drawing/2014/main" id="{00255621-1D81-03E6-507B-CB20E070356A}"/>
+              </a:ext>
+            </a:extLst>
+          </p:cNvPr>
+          <p:cNvSpPr>
+            <a:spLocks noGrp="1"/>
+          </p:cNvSpPr>
+          <p:nvPr>
+            <p:ph type="sldNum" sz="quarter" idx="4"/>
+          </p:nvPr>
+        </p:nvSpPr>
+        <p:spPr>
+          <a:xfrm>
+            <a:off x="914400" y="6246254"/>
+            <a:ext cx="631065" cy="296214"/>
+          </a:xfrm>
+        </p:spPr>
+        <p:txBody>
+          <a:bodyPr/>
+          <a:lstStyle/>
+          <a:p>
+            <a:fld id="{B5CEABB6-07DC-46E8-9B57-56EC44A396E5}" type="slidenum">
+              <a:rPr lang="en-US" smtClean="0"/>
+              <a:pPr/>
+              <a:t>8</a:t>
+            </a:fld>
+            <a:endParaRPr lang="en-US"/>
+          </a:p>
+        </p:txBody>
+      </p:sp>
+    </p:spTree>
+    <p:extLst>
+      <p:ext uri="{BB962C8B-B14F-4D97-AF65-F5344CB8AC3E}">
+        <p14:creationId xmlns:p14="http://schemas.microsoft.com/office/powerpoint/2010/main" val="3071978855"/>
+      </p:ext>
+    </p:extLst>
+  </p:cSld>
+  <p:clrMapOvr>
+    <a:masterClrMapping/>
+  </p:clrMapOvr>
+</p:sld>
+</file>
+
+<file path=ppt/slides/slide9.xml><?xml version="1.0" encoding="utf-8"?>
+<p:sld xmlns:a="http://schemas.openxmlformats.org/drawingml/2006/main" xmlns:r="http://schemas.openxmlformats.org/officeDocument/2006/relationships" xmlns:p="http://schemas.openxmlformats.org/presentationml/2006/main">
+  <p:cSld>
+    <p:spTree>
+      <p:nvGrpSpPr>
+        <p:cNvPr id="1" name=""/>
+        <p:cNvGrpSpPr/>
+        <p:nvPr/>
+      </p:nvGrpSpPr>
+      <p:grpSpPr>
+        <a:xfrm>
+          <a:off x="0" y="0"/>
+          <a:ext cx="0" cy="0"/>
+          <a:chOff x="0" y="0"/>
+          <a:chExt cx="0" cy="0"/>
+        </a:xfrm>
+      </p:grpSpPr>
+      <p:sp>
+        <p:nvSpPr>
+          <p:cNvPr id="3" name="Title 2">
+            <a:extLst>
+              <a:ext uri="{FF2B5EF4-FFF2-40B4-BE49-F238E27FC236}">
+                <a16:creationId xmlns:a16="http://schemas.microsoft.com/office/drawing/2014/main" id="{3474D05E-8A36-8D9F-519E-DB514A69D886}"/>
+              </a:ext>
+            </a:extLst>
+          </p:cNvPr>
+          <p:cNvSpPr>
+            <a:spLocks noGrp="1"/>
+          </p:cNvSpPr>
+          <p:nvPr>
+            <p:ph type="title"/>
+          </p:nvPr>
+        </p:nvSpPr>
+        <p:spPr>
+          <a:xfrm>
+            <a:off x="914400" y="315533"/>
+            <a:ext cx="6126480" cy="2256776"/>
+          </a:xfrm>
+        </p:spPr>
+        <p:txBody>
+          <a:bodyPr anchor="ctr"/>
+          <a:lstStyle/>
+          <a:p>
+            <a:r>
+              <a:rPr lang="en-US"/>
+              <a:t>Innovation</a:t>
+            </a:r>
+          </a:p>
+        </p:txBody>
+      </p:sp>
+      <p:sp>
+        <p:nvSpPr>
+          <p:cNvPr id="4" name="Content Placeholder 3">
+            <a:extLst>
+              <a:ext uri="{FF2B5EF4-FFF2-40B4-BE49-F238E27FC236}">
+                <a16:creationId xmlns:a16="http://schemas.microsoft.com/office/drawing/2014/main" id="{B20C1E08-E337-110E-DB8E-41BA4A3341A1}"/>
+              </a:ext>
+            </a:extLst>
+          </p:cNvPr>
+          <p:cNvSpPr>
+            <a:spLocks noGrp="1"/>
+          </p:cNvSpPr>
+          <p:nvPr>
+            <p:ph sz="quarter" idx="10"/>
+          </p:nvPr>
+        </p:nvSpPr>
+        <p:spPr>
+          <a:xfrm>
+            <a:off x="914400" y="2721210"/>
+            <a:ext cx="5181600" cy="3128963"/>
+          </a:xfrm>
+        </p:spPr>
+        <p:txBody>
+          <a:bodyPr/>
+          <a:lstStyle/>
+          <a:p>
+            <a:pPr marL="342900" indent="-342900">
+              <a:buFont typeface="Arial" panose="020B0604020202020204" pitchFamily="34" charset="0"/>
+              <a:buChar char="•"/>
+            </a:pPr>
+            <a:r>
+              <a:rPr lang="en-US"/>
+              <a:t>Targets a unique niche not served by communities on other platforms</a:t>
+            </a:r>
+          </a:p>
+          <a:p>
+            <a:pPr marL="1028700" lvl="1" indent="-342900"/>
+            <a:r>
+              <a:rPr lang="en-US"/>
+              <a:t>Think </a:t>
+            </a:r>
+            <a:r>
+              <a:rPr lang="en-US" err="1"/>
+              <a:t>EagleLink</a:t>
+            </a:r>
+            <a:r>
+              <a:rPr lang="en-US"/>
+              <a:t>, Reddit, etc.</a:t>
+            </a:r>
+          </a:p>
+          <a:p>
+            <a:pPr marL="342900" indent="-342900">
+              <a:buFont typeface="Arial" panose="020B0604020202020204" pitchFamily="34" charset="0"/>
+              <a:buChar char="•"/>
+            </a:pPr>
+            <a:r>
+              <a:rPr lang="en-US"/>
+              <a:t>Connection sparks innovation, more projects mean more good ideas flow</a:t>
+            </a:r>
+          </a:p>
+          <a:p>
+            <a:pPr marL="342900" indent="-342900">
+              <a:buFont typeface="Arial" panose="020B0604020202020204" pitchFamily="34" charset="0"/>
+              <a:buChar char="•"/>
+            </a:pPr>
+            <a:endParaRPr lang="en-US"/>
+          </a:p>
+        </p:txBody>
+      </p:sp>
+      <p:sp>
+        <p:nvSpPr>
+          <p:cNvPr id="2" name="Slide Number Placeholder 1">
+            <a:extLst>
+              <a:ext uri="{FF2B5EF4-FFF2-40B4-BE49-F238E27FC236}">
+                <a16:creationId xmlns:a16="http://schemas.microsoft.com/office/drawing/2014/main" id="{00255621-1D81-03E6-507B-CB20E070356A}"/>
+              </a:ext>
+            </a:extLst>
+          </p:cNvPr>
+          <p:cNvSpPr>
+            <a:spLocks noGrp="1"/>
+          </p:cNvSpPr>
+          <p:nvPr>
+            <p:ph type="sldNum" sz="quarter" idx="4"/>
+          </p:nvPr>
+        </p:nvSpPr>
+        <p:spPr>
+          <a:xfrm>
+            <a:off x="914400" y="6246254"/>
+            <a:ext cx="631065" cy="296214"/>
+          </a:xfrm>
+        </p:spPr>
+        <p:txBody>
+          <a:bodyPr/>
+          <a:lstStyle/>
+          <a:p>
+            <a:fld id="{B5CEABB6-07DC-46E8-9B57-56EC44A396E5}" type="slidenum">
+              <a:rPr lang="en-US" smtClean="0"/>
+              <a:pPr/>
+              <a:t>9</a:t>
+            </a:fld>
+            <a:endParaRPr lang="en-US"/>
+          </a:p>
+        </p:txBody>
+      </p:sp>
+    </p:spTree>
+    <p:extLst>
+      <p:ext uri="{BB962C8B-B14F-4D97-AF65-F5344CB8AC3E}">
+        <p14:creationId xmlns:p14="http://schemas.microsoft.com/office/powerpoint/2010/main" val="1854128821"/>
       </p:ext>
     </p:extLst>
   </p:cSld>
@@ -8017,26 +9121,6 @@
 </file>
 
 <file path=customXml/item1.xml><?xml version="1.0" encoding="utf-8"?>
-<p:properties xmlns:p="http://schemas.microsoft.com/office/2006/metadata/properties" xmlns:xsi="http://www.w3.org/2001/XMLSchema-instance" xmlns:pc="http://schemas.microsoft.com/office/infopath/2007/PartnerControls">
-  <documentManagement>
-    <_ip_UnifiedCompliancePolicyUIAction xmlns="http://schemas.microsoft.com/sharepoint/v3" xsi:nil="true"/>
-    <Image xmlns="71af3243-3dd4-4a8d-8c0d-dd76da1f02a5">
-      <Url xsi:nil="true"/>
-      <Description xsi:nil="true"/>
-    </Image>
-    <Status xmlns="71af3243-3dd4-4a8d-8c0d-dd76da1f02a5">Not started</Status>
-    <Background xmlns="71af3243-3dd4-4a8d-8c0d-dd76da1f02a5">false</Background>
-    <_ip_UnifiedCompliancePolicyProperties xmlns="http://schemas.microsoft.com/sharepoint/v3" xsi:nil="true"/>
-    <ImageTagsTaxHTField xmlns="71af3243-3dd4-4a8d-8c0d-dd76da1f02a5">
-      <Terms xmlns="http://schemas.microsoft.com/office/infopath/2007/PartnerControls"/>
-    </ImageTagsTaxHTField>
-    <TaxCatchAll xmlns="230e9df3-be65-4c73-a93b-d1236ebd677e" xsi:nil="true"/>
-    <MediaServiceKeyPoints xmlns="71af3243-3dd4-4a8d-8c0d-dd76da1f02a5" xsi:nil="true"/>
-  </documentManagement>
-</p:properties>
-</file>
-
-<file path=customXml/item2.xml><?xml version="1.0" encoding="utf-8"?>
 <ct:contentTypeSchema xmlns:ct="http://schemas.microsoft.com/office/2006/metadata/contentType" xmlns:ma="http://schemas.microsoft.com/office/2006/metadata/properties/metaAttributes" ct:_="" ma:_="" ma:contentTypeName="Document" ma:contentTypeID="0x01010079F111ED35F8CC479449609E8A0923A6" ma:contentTypeVersion="28" ma:contentTypeDescription="Create a new document." ma:contentTypeScope="" ma:versionID="60f5a4f2d2b0abadcf532d48ebf9cb71">
   <xsd:schema xmlns:xsd="http://www.w3.org/2001/XMLSchema" xmlns:xs="http://www.w3.org/2001/XMLSchema" xmlns:p="http://schemas.microsoft.com/office/2006/metadata/properties" xmlns:ns1="http://schemas.microsoft.com/sharepoint/v3" xmlns:ns2="71af3243-3dd4-4a8d-8c0d-dd76da1f02a5" xmlns:ns3="16c05727-aa75-4e4a-9b5f-8a80a1165891" xmlns:ns4="230e9df3-be65-4c73-a93b-d1236ebd677e" targetNamespace="http://schemas.microsoft.com/office/2006/metadata/properties" ma:root="true" ma:fieldsID="7dd78129e6a1811f84807ad11c651531" ns1:_="" ns2:_="" ns3:_="" ns4:_="">
     <xsd:import namespace="http://schemas.microsoft.com/sharepoint/v3"/>
@@ -8348,7 +9432,7 @@
 </ct:contentTypeSchema>
 </file>
 
-<file path=customXml/item3.xml><?xml version="1.0" encoding="utf-8"?>
+<file path=customXml/item2.xml><?xml version="1.0" encoding="utf-8"?>
 <?mso-contentType ?>
 <FormTemplates xmlns="http://schemas.microsoft.com/sharepoint/v3/contenttype/forms">
   <Display>DocumentLibraryForm</Display>
@@ -8357,40 +9441,48 @@
 </FormTemplates>
 </file>
 
+<file path=customXml/item3.xml><?xml version="1.0" encoding="utf-8"?>
+<p:properties xmlns:p="http://schemas.microsoft.com/office/2006/metadata/properties" xmlns:xsi="http://www.w3.org/2001/XMLSchema-instance" xmlns:pc="http://schemas.microsoft.com/office/infopath/2007/PartnerControls">
+  <documentManagement>
+    <_ip_UnifiedCompliancePolicyUIAction xmlns="http://schemas.microsoft.com/sharepoint/v3" xsi:nil="true"/>
+    <Image xmlns="71af3243-3dd4-4a8d-8c0d-dd76da1f02a5">
+      <Url xsi:nil="true"/>
+      <Description xsi:nil="true"/>
+    </Image>
+    <Status xmlns="71af3243-3dd4-4a8d-8c0d-dd76da1f02a5">Not started</Status>
+    <Background xmlns="71af3243-3dd4-4a8d-8c0d-dd76da1f02a5">false</Background>
+    <_ip_UnifiedCompliancePolicyProperties xmlns="http://schemas.microsoft.com/sharepoint/v3" xsi:nil="true"/>
+    <ImageTagsTaxHTField xmlns="71af3243-3dd4-4a8d-8c0d-dd76da1f02a5">
+      <Terms xmlns="http://schemas.microsoft.com/office/infopath/2007/PartnerControls"/>
+    </ImageTagsTaxHTField>
+    <TaxCatchAll xmlns="230e9df3-be65-4c73-a93b-d1236ebd677e" xsi:nil="true"/>
+    <MediaServiceKeyPoints xmlns="71af3243-3dd4-4a8d-8c0d-dd76da1f02a5" xsi:nil="true"/>
+  </documentManagement>
+</p:properties>
+</file>
+
 <file path=customXml/itemProps1.xml><?xml version="1.0" encoding="utf-8"?>
-<ds:datastoreItem xmlns:ds="http://schemas.openxmlformats.org/officeDocument/2006/customXml" ds:itemID="{AB045227-5724-4DBF-9712-031B1BFB2C3C}">
+<ds:datastoreItem xmlns:ds="http://schemas.openxmlformats.org/officeDocument/2006/customXml" ds:itemID="{622457D9-12AC-4794-A05E-F1B90FCD8DA7}">
   <ds:schemaRefs>
+    <ds:schemaRef ds:uri="16c05727-aa75-4e4a-9b5f-8a80a1165891"/>
+    <ds:schemaRef ds:uri="230e9df3-be65-4c73-a93b-d1236ebd677e"/>
+    <ds:schemaRef ds:uri="71af3243-3dd4-4a8d-8c0d-dd76da1f02a5"/>
+    <ds:schemaRef ds:uri="http://purl.org/dc/elements/1.1/"/>
+    <ds:schemaRef ds:uri="http://purl.org/dc/terms/"/>
+    <ds:schemaRef ds:uri="http://schemas.microsoft.com/internal/obd"/>
+    <ds:schemaRef ds:uri="http://schemas.microsoft.com/office/2006/documentManagement/types"/>
+    <ds:schemaRef ds:uri="http://schemas.microsoft.com/office/2006/metadata/contentType"/>
     <ds:schemaRef ds:uri="http://schemas.microsoft.com/office/2006/metadata/properties"/>
+    <ds:schemaRef ds:uri="http://schemas.microsoft.com/office/2006/metadata/properties/metaAttributes"/>
     <ds:schemaRef ds:uri="http://schemas.microsoft.com/office/infopath/2007/PartnerControls"/>
     <ds:schemaRef ds:uri="http://schemas.microsoft.com/sharepoint/v3"/>
-    <ds:schemaRef ds:uri="71af3243-3dd4-4a8d-8c0d-dd76da1f02a5"/>
-    <ds:schemaRef ds:uri="230e9df3-be65-4c73-a93b-d1236ebd677e"/>
+    <ds:schemaRef ds:uri="http://schemas.openxmlformats.org/package/2006/metadata/core-properties"/>
+    <ds:schemaRef ds:uri="http://www.w3.org/2001/XMLSchema"/>
   </ds:schemaRefs>
 </ds:datastoreItem>
 </file>
 
 <file path=customXml/itemProps2.xml><?xml version="1.0" encoding="utf-8"?>
-<ds:datastoreItem xmlns:ds="http://schemas.openxmlformats.org/officeDocument/2006/customXml" ds:itemID="{622457D9-12AC-4794-A05E-F1B90FCD8DA7}">
-  <ds:schemaRefs>
-    <ds:schemaRef ds:uri="http://schemas.microsoft.com/office/2006/metadata/contentType"/>
-    <ds:schemaRef ds:uri="http://schemas.microsoft.com/office/2006/metadata/properties/metaAttributes"/>
-    <ds:schemaRef ds:uri="http://www.w3.org/2001/XMLSchema"/>
-    <ds:schemaRef ds:uri="http://schemas.microsoft.com/office/2006/metadata/properties"/>
-    <ds:schemaRef ds:uri="http://schemas.microsoft.com/sharepoint/v3"/>
-    <ds:schemaRef ds:uri="71af3243-3dd4-4a8d-8c0d-dd76da1f02a5"/>
-    <ds:schemaRef ds:uri="16c05727-aa75-4e4a-9b5f-8a80a1165891"/>
-    <ds:schemaRef ds:uri="230e9df3-be65-4c73-a93b-d1236ebd677e"/>
-    <ds:schemaRef ds:uri="http://schemas.microsoft.com/office/2006/documentManagement/types"/>
-    <ds:schemaRef ds:uri="http://schemas.microsoft.com/office/infopath/2007/PartnerControls"/>
-    <ds:schemaRef ds:uri="http://schemas.openxmlformats.org/package/2006/metadata/core-properties"/>
-    <ds:schemaRef ds:uri="http://purl.org/dc/elements/1.1/"/>
-    <ds:schemaRef ds:uri="http://purl.org/dc/terms/"/>
-    <ds:schemaRef ds:uri="http://schemas.microsoft.com/internal/obd"/>
-  </ds:schemaRefs>
-</ds:datastoreItem>
-</file>
-
-<file path=customXml/itemProps3.xml><?xml version="1.0" encoding="utf-8"?>
 <ds:datastoreItem xmlns:ds="http://schemas.openxmlformats.org/officeDocument/2006/customXml" ds:itemID="{B7B39BD0-040C-43BE-B0E4-512B09E8003F}">
   <ds:schemaRefs>
     <ds:schemaRef ds:uri="http://schemas.microsoft.com/sharepoint/v3/contenttype/forms"/>
@@ -8398,6 +9490,21 @@
 </ds:datastoreItem>
 </file>
 
-<file path=docMetadata/LabelInfo.xml><?xml version="1.0" encoding="utf-8"?>
-<clbl:labelList xmlns:clbl="http://schemas.microsoft.com/office/2020/mipLabelMetadata"/>
+<file path=customXml/itemProps3.xml><?xml version="1.0" encoding="utf-8"?>
+<ds:datastoreItem xmlns:ds="http://schemas.openxmlformats.org/officeDocument/2006/customXml" ds:itemID="{AB045227-5724-4DBF-9712-031B1BFB2C3C}">
+  <ds:schemaRefs>
+    <ds:schemaRef ds:uri="16c05727-aa75-4e4a-9b5f-8a80a1165891"/>
+    <ds:schemaRef ds:uri="230e9df3-be65-4c73-a93b-d1236ebd677e"/>
+    <ds:schemaRef ds:uri="71af3243-3dd4-4a8d-8c0d-dd76da1f02a5"/>
+    <ds:schemaRef ds:uri="http://purl.org/dc/dcmitype/"/>
+    <ds:schemaRef ds:uri="http://purl.org/dc/elements/1.1/"/>
+    <ds:schemaRef ds:uri="http://purl.org/dc/terms/"/>
+    <ds:schemaRef ds:uri="http://schemas.microsoft.com/office/2006/documentManagement/types"/>
+    <ds:schemaRef ds:uri="http://schemas.microsoft.com/office/2006/metadata/properties"/>
+    <ds:schemaRef ds:uri="http://schemas.microsoft.com/office/infopath/2007/PartnerControls"/>
+    <ds:schemaRef ds:uri="http://schemas.microsoft.com/sharepoint/v3"/>
+    <ds:schemaRef ds:uri="http://schemas.openxmlformats.org/package/2006/metadata/core-properties"/>
+    <ds:schemaRef ds:uri="http://www.w3.org/XML/1998/namespace"/>
+  </ds:schemaRefs>
+</ds:datastoreItem>
 </file>